--- a/assets/public/Chapter_1_Introduction_to_business_and_accounting_concepts/documents/resources/BusinessConcepts.pptx
+++ b/assets/public/Chapter_1_Introduction_to_business_and_accounting_concepts/documents/resources/BusinessConcepts.pptx
@@ -222,7 +222,7 @@
           <a:p>
             <a:fld id="{4EEE8A09-C53B-4E87-91E3-CECCC1E52B7D}" type="datetimeFigureOut">
               <a:rPr lang="en-US" smtClean="0"/>
-              <a:t>6/6/2019</a:t>
+              <a:t>6/7/2019</a:t>
             </a:fld>
             <a:endParaRPr lang="en-US"/>
           </a:p>
@@ -708,7 +708,7 @@
           <a:p>
             <a:fld id="{6B2382DC-9449-49D5-81A0-E07153406E49}" type="datetimeFigureOut">
               <a:rPr lang="en-US" smtClean="0"/>
-              <a:t>6/6/2019</a:t>
+              <a:t>6/7/2019</a:t>
             </a:fld>
             <a:endParaRPr lang="en-US"/>
           </a:p>
@@ -876,7 +876,7 @@
           <a:p>
             <a:fld id="{6B2382DC-9449-49D5-81A0-E07153406E49}" type="datetimeFigureOut">
               <a:rPr lang="en-US" smtClean="0"/>
-              <a:t>6/6/2019</a:t>
+              <a:t>6/7/2019</a:t>
             </a:fld>
             <a:endParaRPr lang="en-US"/>
           </a:p>
@@ -1054,7 +1054,7 @@
           <a:p>
             <a:fld id="{6B2382DC-9449-49D5-81A0-E07153406E49}" type="datetimeFigureOut">
               <a:rPr lang="en-US" smtClean="0"/>
-              <a:t>6/6/2019</a:t>
+              <a:t>6/7/2019</a:t>
             </a:fld>
             <a:endParaRPr lang="en-US"/>
           </a:p>
@@ -1510,7 +1510,7 @@
           <a:p>
             <a:fld id="{6B2382DC-9449-49D5-81A0-E07153406E49}" type="datetimeFigureOut">
               <a:rPr lang="en-US" smtClean="0"/>
-              <a:t>6/6/2019</a:t>
+              <a:t>6/7/2019</a:t>
             </a:fld>
             <a:endParaRPr lang="en-US"/>
           </a:p>
@@ -1755,7 +1755,7 @@
           <a:p>
             <a:fld id="{6B2382DC-9449-49D5-81A0-E07153406E49}" type="datetimeFigureOut">
               <a:rPr lang="en-US" smtClean="0"/>
-              <a:t>6/6/2019</a:t>
+              <a:t>6/7/2019</a:t>
             </a:fld>
             <a:endParaRPr lang="en-US"/>
           </a:p>
@@ -1984,7 +1984,7 @@
           <a:p>
             <a:fld id="{6B2382DC-9449-49D5-81A0-E07153406E49}" type="datetimeFigureOut">
               <a:rPr lang="en-US" smtClean="0"/>
-              <a:t>6/6/2019</a:t>
+              <a:t>6/7/2019</a:t>
             </a:fld>
             <a:endParaRPr lang="en-US"/>
           </a:p>
@@ -2348,7 +2348,7 @@
           <a:p>
             <a:fld id="{6B2382DC-9449-49D5-81A0-E07153406E49}" type="datetimeFigureOut">
               <a:rPr lang="en-US" smtClean="0"/>
-              <a:t>6/6/2019</a:t>
+              <a:t>6/7/2019</a:t>
             </a:fld>
             <a:endParaRPr lang="en-US"/>
           </a:p>
@@ -2465,7 +2465,7 @@
           <a:p>
             <a:fld id="{6B2382DC-9449-49D5-81A0-E07153406E49}" type="datetimeFigureOut">
               <a:rPr lang="en-US" smtClean="0"/>
-              <a:t>6/6/2019</a:t>
+              <a:t>6/7/2019</a:t>
             </a:fld>
             <a:endParaRPr lang="en-US"/>
           </a:p>
@@ -2560,7 +2560,7 @@
           <a:p>
             <a:fld id="{6B2382DC-9449-49D5-81A0-E07153406E49}" type="datetimeFigureOut">
               <a:rPr lang="en-US" smtClean="0"/>
-              <a:t>6/6/2019</a:t>
+              <a:t>6/7/2019</a:t>
             </a:fld>
             <a:endParaRPr lang="en-US"/>
           </a:p>
@@ -2835,7 +2835,7 @@
           <a:p>
             <a:fld id="{6B2382DC-9449-49D5-81A0-E07153406E49}" type="datetimeFigureOut">
               <a:rPr lang="en-US" smtClean="0"/>
-              <a:t>6/6/2019</a:t>
+              <a:t>6/7/2019</a:t>
             </a:fld>
             <a:endParaRPr lang="en-US"/>
           </a:p>
@@ -3087,7 +3087,7 @@
           <a:p>
             <a:fld id="{6B2382DC-9449-49D5-81A0-E07153406E49}" type="datetimeFigureOut">
               <a:rPr lang="en-US" smtClean="0"/>
-              <a:t>6/6/2019</a:t>
+              <a:t>6/7/2019</a:t>
             </a:fld>
             <a:endParaRPr lang="en-US"/>
           </a:p>
@@ -3298,7 +3298,7 @@
           <a:p>
             <a:fld id="{6B2382DC-9449-49D5-81A0-E07153406E49}" type="datetimeFigureOut">
               <a:rPr lang="en-US" smtClean="0"/>
-              <a:t>6/6/2019</a:t>
+              <a:t>6/7/2019</a:t>
             </a:fld>
             <a:endParaRPr lang="en-US"/>
           </a:p>
@@ -5486,120 +5486,6 @@
       </p:sp>
       <p:sp>
         <p:nvSpPr>
-          <p:cNvPr id="12" name="Rectangle 11">
-            <a:extLst>
-              <a:ext uri="{FF2B5EF4-FFF2-40B4-BE49-F238E27FC236}">
-                <a16:creationId xmlns:a16="http://schemas.microsoft.com/office/drawing/2014/main" id="{2C7811AC-8057-49D8-B182-328AA7A9A057}"/>
-              </a:ext>
-            </a:extLst>
-          </p:cNvPr>
-          <p:cNvSpPr/>
-          <p:nvPr/>
-        </p:nvSpPr>
-        <p:spPr>
-          <a:xfrm>
-            <a:off x="2002970" y="2676539"/>
-            <a:ext cx="8368937" cy="1077218"/>
-          </a:xfrm>
-          <a:prstGeom prst="rect">
-            <a:avLst/>
-          </a:prstGeom>
-        </p:spPr>
-        <p:txBody>
-          <a:bodyPr wrap="square">
-            <a:spAutoFit/>
-          </a:bodyPr>
-          <a:lstStyle/>
-          <a:p>
-            <a:pPr>
-              <a:spcBef>
-                <a:spcPts val="1200"/>
-              </a:spcBef>
-              <a:spcAft>
-                <a:spcPts val="1800"/>
-              </a:spcAft>
-            </a:pPr>
-            <a:r>
-              <a:rPr lang="en-US" sz="3200" dirty="0">
-                <a:solidFill>
-                  <a:srgbClr val="584300"/>
-                </a:solidFill>
-                <a:effectLst>
-                  <a:outerShdw blurRad="50800" dist="38100" dir="8100000" algn="tr" rotWithShape="0">
-                    <a:prstClr val="black">
-                      <a:alpha val="40000"/>
-                    </a:prstClr>
-                  </a:outerShdw>
-                </a:effectLst>
-                <a:latin typeface="Ubuntu Condensed" panose="020B0506030602030204" pitchFamily="34" charset="0"/>
-                <a:ea typeface="Open Sans Light" panose="020B0306030504020204" pitchFamily="34" charset="0"/>
-                <a:cs typeface="Open Sans Light" panose="020B0306030504020204" pitchFamily="34" charset="0"/>
-              </a:rPr>
-              <a:t>You have to understand Accounting and the nuances of Accounting. It’s the language of business.</a:t>
-            </a:r>
-          </a:p>
-        </p:txBody>
-      </p:sp>
-      <p:sp>
-        <p:nvSpPr>
-          <p:cNvPr id="2" name="Rectangle 1">
-            <a:extLst>
-              <a:ext uri="{FF2B5EF4-FFF2-40B4-BE49-F238E27FC236}">
-                <a16:creationId xmlns:a16="http://schemas.microsoft.com/office/drawing/2014/main" id="{2E26CEB4-BE26-4066-A343-CDDE110E841B}"/>
-              </a:ext>
-            </a:extLst>
-          </p:cNvPr>
-          <p:cNvSpPr/>
-          <p:nvPr/>
-        </p:nvSpPr>
-        <p:spPr>
-          <a:xfrm>
-            <a:off x="5590900" y="4064818"/>
-            <a:ext cx="4453463" cy="338554"/>
-          </a:xfrm>
-          <a:prstGeom prst="rect">
-            <a:avLst/>
-          </a:prstGeom>
-        </p:spPr>
-        <p:txBody>
-          <a:bodyPr wrap="none">
-            <a:spAutoFit/>
-          </a:bodyPr>
-          <a:lstStyle/>
-          <a:p>
-            <a:r>
-              <a:rPr lang="en-US" sz="1600" b="1" dirty="0">
-                <a:solidFill>
-                  <a:schemeClr val="tx1">
-                    <a:lumMod val="65000"/>
-                    <a:lumOff val="35000"/>
-                  </a:schemeClr>
-                </a:solidFill>
-                <a:latin typeface="Ubuntu Condensed" panose="020B0506030602030204" pitchFamily="34" charset="0"/>
-                <a:ea typeface="Open Sans" panose="020B0606030504020204" pitchFamily="34" charset="0"/>
-                <a:cs typeface="Open Sans" panose="020B0606030504020204" pitchFamily="34" charset="0"/>
-              </a:rPr>
-              <a:t>WARREN BUFFET - </a:t>
-            </a:r>
-            <a:r>
-              <a:rPr lang="en-US" sz="1600" dirty="0">
-                <a:solidFill>
-                  <a:schemeClr val="tx1">
-                    <a:lumMod val="65000"/>
-                    <a:lumOff val="35000"/>
-                  </a:schemeClr>
-                </a:solidFill>
-                <a:latin typeface="Ubuntu Condensed" panose="020B0506030602030204" pitchFamily="34" charset="0"/>
-                <a:ea typeface="Open Sans" panose="020B0606030504020204" pitchFamily="34" charset="0"/>
-                <a:cs typeface="Open Sans" panose="020B0606030504020204" pitchFamily="34" charset="0"/>
-              </a:rPr>
-              <a:t>Chairman &amp; CEO, Berkshire Hathaway</a:t>
-            </a:r>
-          </a:p>
-        </p:txBody>
-      </p:sp>
-      <p:sp>
-        <p:nvSpPr>
           <p:cNvPr id="9" name="Oval 8">
             <a:extLst>
               <a:ext uri="{FF2B5EF4-FFF2-40B4-BE49-F238E27FC236}">
@@ -5650,12 +5536,288 @@
           </a:p>
         </p:txBody>
       </p:sp>
-      <p:sp>
-        <p:nvSpPr>
-          <p:cNvPr id="13" name="Rectangle 12">
+      <p:grpSp>
+        <p:nvGrpSpPr>
+          <p:cNvPr id="4" name="Group 3">
             <a:extLst>
               <a:ext uri="{FF2B5EF4-FFF2-40B4-BE49-F238E27FC236}">
-                <a16:creationId xmlns:a16="http://schemas.microsoft.com/office/drawing/2014/main" id="{7685075F-3597-44A7-A8DB-B52BC9A48E4F}"/>
+                <a16:creationId xmlns:a16="http://schemas.microsoft.com/office/drawing/2014/main" id="{6A220613-8F41-4788-AA1A-DE4F884AE487}"/>
+              </a:ext>
+            </a:extLst>
+          </p:cNvPr>
+          <p:cNvGrpSpPr/>
+          <p:nvPr/>
+        </p:nvGrpSpPr>
+        <p:grpSpPr>
+          <a:xfrm>
+            <a:off x="1337317" y="2259161"/>
+            <a:ext cx="9109925" cy="2144211"/>
+            <a:chOff x="1337317" y="2259161"/>
+            <a:chExt cx="9109925" cy="2144211"/>
+          </a:xfrm>
+        </p:grpSpPr>
+        <p:grpSp>
+          <p:nvGrpSpPr>
+            <p:cNvPr id="3" name="Group 2">
+              <a:extLst>
+                <a:ext uri="{FF2B5EF4-FFF2-40B4-BE49-F238E27FC236}">
+                  <a16:creationId xmlns:a16="http://schemas.microsoft.com/office/drawing/2014/main" id="{A9A49D68-6EE0-47FB-88E1-ABAC169ABE96}"/>
+                </a:ext>
+              </a:extLst>
+            </p:cNvPr>
+            <p:cNvGrpSpPr/>
+            <p:nvPr/>
+          </p:nvGrpSpPr>
+          <p:grpSpPr>
+            <a:xfrm>
+              <a:off x="2002970" y="2676539"/>
+              <a:ext cx="8368937" cy="1726833"/>
+              <a:chOff x="2002970" y="2676539"/>
+              <a:chExt cx="8368937" cy="1726833"/>
+            </a:xfrm>
+          </p:grpSpPr>
+          <p:sp>
+            <p:nvSpPr>
+              <p:cNvPr id="12" name="Rectangle 11">
+                <a:extLst>
+                  <a:ext uri="{FF2B5EF4-FFF2-40B4-BE49-F238E27FC236}">
+                    <a16:creationId xmlns:a16="http://schemas.microsoft.com/office/drawing/2014/main" id="{2C7811AC-8057-49D8-B182-328AA7A9A057}"/>
+                  </a:ext>
+                </a:extLst>
+              </p:cNvPr>
+              <p:cNvSpPr/>
+              <p:nvPr/>
+            </p:nvSpPr>
+            <p:spPr>
+              <a:xfrm>
+                <a:off x="2002970" y="2676539"/>
+                <a:ext cx="8368937" cy="1077218"/>
+              </a:xfrm>
+              <a:prstGeom prst="rect">
+                <a:avLst/>
+              </a:prstGeom>
+            </p:spPr>
+            <p:txBody>
+              <a:bodyPr wrap="square">
+                <a:spAutoFit/>
+              </a:bodyPr>
+              <a:lstStyle/>
+              <a:p>
+                <a:pPr>
+                  <a:spcBef>
+                    <a:spcPts val="1200"/>
+                  </a:spcBef>
+                  <a:spcAft>
+                    <a:spcPts val="1800"/>
+                  </a:spcAft>
+                </a:pPr>
+                <a:r>
+                  <a:rPr lang="en-US" sz="3200" dirty="0">
+                    <a:solidFill>
+                      <a:srgbClr val="584300"/>
+                    </a:solidFill>
+                    <a:effectLst>
+                      <a:outerShdw blurRad="50800" dist="38100" dir="8100000" algn="tr" rotWithShape="0">
+                        <a:prstClr val="black">
+                          <a:alpha val="40000"/>
+                        </a:prstClr>
+                      </a:outerShdw>
+                    </a:effectLst>
+                    <a:latin typeface="Ubuntu Condensed" panose="020B0506030602030204" pitchFamily="34" charset="0"/>
+                    <a:ea typeface="Open Sans Light" panose="020B0306030504020204" pitchFamily="34" charset="0"/>
+                    <a:cs typeface="Open Sans Light" panose="020B0306030504020204" pitchFamily="34" charset="0"/>
+                  </a:rPr>
+                  <a:t>You have to understand Accounting and the nuances of Accounting. It’s the language of business.</a:t>
+                </a:r>
+              </a:p>
+            </p:txBody>
+          </p:sp>
+          <p:sp>
+            <p:nvSpPr>
+              <p:cNvPr id="2" name="Rectangle 1">
+                <a:extLst>
+                  <a:ext uri="{FF2B5EF4-FFF2-40B4-BE49-F238E27FC236}">
+                    <a16:creationId xmlns:a16="http://schemas.microsoft.com/office/drawing/2014/main" id="{2E26CEB4-BE26-4066-A343-CDDE110E841B}"/>
+                  </a:ext>
+                </a:extLst>
+              </p:cNvPr>
+              <p:cNvSpPr/>
+              <p:nvPr/>
+            </p:nvSpPr>
+            <p:spPr>
+              <a:xfrm>
+                <a:off x="5590900" y="4064818"/>
+                <a:ext cx="4453463" cy="338554"/>
+              </a:xfrm>
+              <a:prstGeom prst="rect">
+                <a:avLst/>
+              </a:prstGeom>
+            </p:spPr>
+            <p:txBody>
+              <a:bodyPr wrap="none">
+                <a:spAutoFit/>
+              </a:bodyPr>
+              <a:lstStyle/>
+              <a:p>
+                <a:r>
+                  <a:rPr lang="en-US" sz="1600" b="1" dirty="0">
+                    <a:solidFill>
+                      <a:schemeClr val="tx1">
+                        <a:lumMod val="65000"/>
+                        <a:lumOff val="35000"/>
+                      </a:schemeClr>
+                    </a:solidFill>
+                    <a:latin typeface="Ubuntu Condensed" panose="020B0506030602030204" pitchFamily="34" charset="0"/>
+                    <a:ea typeface="Open Sans" panose="020B0606030504020204" pitchFamily="34" charset="0"/>
+                    <a:cs typeface="Open Sans" panose="020B0606030504020204" pitchFamily="34" charset="0"/>
+                  </a:rPr>
+                  <a:t>WARREN BUFFET - </a:t>
+                </a:r>
+                <a:r>
+                  <a:rPr lang="en-US" sz="1600" dirty="0">
+                    <a:solidFill>
+                      <a:schemeClr val="tx1">
+                        <a:lumMod val="65000"/>
+                        <a:lumOff val="35000"/>
+                      </a:schemeClr>
+                    </a:solidFill>
+                    <a:latin typeface="Ubuntu Condensed" panose="020B0506030602030204" pitchFamily="34" charset="0"/>
+                    <a:ea typeface="Open Sans" panose="020B0606030504020204" pitchFamily="34" charset="0"/>
+                    <a:cs typeface="Open Sans" panose="020B0606030504020204" pitchFamily="34" charset="0"/>
+                  </a:rPr>
+                  <a:t>Chairman &amp; CEO, Berkshire Hathaway</a:t>
+                </a:r>
+              </a:p>
+            </p:txBody>
+          </p:sp>
+        </p:grpSp>
+        <p:sp>
+          <p:nvSpPr>
+            <p:cNvPr id="13" name="Rectangle 12">
+              <a:extLst>
+                <a:ext uri="{FF2B5EF4-FFF2-40B4-BE49-F238E27FC236}">
+                  <a16:creationId xmlns:a16="http://schemas.microsoft.com/office/drawing/2014/main" id="{7685075F-3597-44A7-A8DB-B52BC9A48E4F}"/>
+                </a:ext>
+              </a:extLst>
+            </p:cNvPr>
+            <p:cNvSpPr/>
+            <p:nvPr/>
+          </p:nvSpPr>
+          <p:spPr>
+            <a:xfrm>
+              <a:off x="1337317" y="2736451"/>
+              <a:ext cx="585649" cy="1200329"/>
+            </a:xfrm>
+            <a:prstGeom prst="rect">
+              <a:avLst/>
+            </a:prstGeom>
+            <a:effectLst/>
+          </p:spPr>
+          <p:txBody>
+            <a:bodyPr wrap="square">
+              <a:spAutoFit/>
+            </a:bodyPr>
+            <a:lstStyle/>
+            <a:p>
+              <a:r>
+                <a:rPr lang="en-US" sz="5400" b="1" dirty="0">
+                  <a:solidFill>
+                    <a:schemeClr val="accent2">
+                      <a:lumMod val="75000"/>
+                    </a:schemeClr>
+                  </a:solidFill>
+                  <a:effectLst>
+                    <a:glow>
+                      <a:schemeClr val="accent1"/>
+                    </a:glow>
+                    <a:reflection endPos="0" dist="50800" dir="5400000" sy="-100000" algn="bl" rotWithShape="0"/>
+                  </a:effectLst>
+                  <a:latin typeface="Century Schoolbook" panose="02040604050505020304" pitchFamily="18" charset="0"/>
+                </a:rPr>
+                <a:t>“</a:t>
+              </a:r>
+              <a:r>
+                <a:rPr lang="en-US" sz="7200" b="1" dirty="0">
+                  <a:solidFill>
+                    <a:schemeClr val="accent3">
+                      <a:lumMod val="75000"/>
+                    </a:schemeClr>
+                  </a:solidFill>
+                  <a:effectLst>
+                    <a:glow>
+                      <a:schemeClr val="accent1"/>
+                    </a:glow>
+                    <a:reflection endPos="0" dist="50800" dir="5400000" sy="-100000" algn="bl" rotWithShape="0"/>
+                  </a:effectLst>
+                  <a:latin typeface="Century Schoolbook" panose="02040604050505020304" pitchFamily="18" charset="0"/>
+                </a:rPr>
+                <a:t> </a:t>
+              </a:r>
+            </a:p>
+          </p:txBody>
+        </p:sp>
+        <p:sp>
+          <p:nvSpPr>
+            <p:cNvPr id="17" name="Rectangle 16">
+              <a:extLst>
+                <a:ext uri="{FF2B5EF4-FFF2-40B4-BE49-F238E27FC236}">
+                  <a16:creationId xmlns:a16="http://schemas.microsoft.com/office/drawing/2014/main" id="{BD268E05-0300-41FB-A119-81BEADFDBED6}"/>
+                </a:ext>
+              </a:extLst>
+            </p:cNvPr>
+            <p:cNvSpPr/>
+            <p:nvPr/>
+          </p:nvSpPr>
+          <p:spPr>
+            <a:xfrm flipH="1">
+              <a:off x="10401523" y="2259161"/>
+              <a:ext cx="45719" cy="2103835"/>
+            </a:xfrm>
+            <a:prstGeom prst="rect">
+              <a:avLst/>
+            </a:prstGeom>
+            <a:solidFill>
+              <a:schemeClr val="accent2">
+                <a:lumMod val="40000"/>
+                <a:lumOff val="60000"/>
+              </a:schemeClr>
+            </a:solidFill>
+            <a:ln>
+              <a:noFill/>
+            </a:ln>
+          </p:spPr>
+          <p:style>
+            <a:lnRef idx="2">
+              <a:schemeClr val="accent1">
+                <a:shade val="50000"/>
+              </a:schemeClr>
+            </a:lnRef>
+            <a:fillRef idx="1">
+              <a:schemeClr val="accent1"/>
+            </a:fillRef>
+            <a:effectRef idx="0">
+              <a:schemeClr val="accent1"/>
+            </a:effectRef>
+            <a:fontRef idx="minor">
+              <a:schemeClr val="lt1"/>
+            </a:fontRef>
+          </p:style>
+          <p:txBody>
+            <a:bodyPr rtlCol="0" anchor="ctr"/>
+            <a:lstStyle/>
+            <a:p>
+              <a:pPr algn="ctr"/>
+              <a:endParaRPr lang="en-US"/>
+            </a:p>
+          </p:txBody>
+        </p:sp>
+      </p:grpSp>
+      <p:sp>
+        <p:nvSpPr>
+          <p:cNvPr id="23" name="Oval 22">
+            <a:extLst>
+              <a:ext uri="{FF2B5EF4-FFF2-40B4-BE49-F238E27FC236}">
+                <a16:creationId xmlns:a16="http://schemas.microsoft.com/office/drawing/2014/main" id="{F6570437-6903-43AF-9ED1-2512215DFD26}"/>
               </a:ext>
             </a:extLst>
           </p:cNvPr>
@@ -5664,82 +5826,14 @@
         </p:nvSpPr>
         <p:spPr>
           <a:xfrm>
-            <a:off x="1337317" y="2736451"/>
-            <a:ext cx="585649" cy="1200329"/>
-          </a:xfrm>
-          <a:prstGeom prst="rect">
-            <a:avLst/>
-          </a:prstGeom>
-          <a:effectLst/>
-        </p:spPr>
-        <p:txBody>
-          <a:bodyPr wrap="square">
-            <a:spAutoFit/>
-          </a:bodyPr>
-          <a:lstStyle/>
-          <a:p>
-            <a:r>
-              <a:rPr lang="en-US" sz="5400" b="1" dirty="0">
-                <a:solidFill>
-                  <a:schemeClr val="accent2">
-                    <a:lumMod val="75000"/>
-                  </a:schemeClr>
-                </a:solidFill>
-                <a:effectLst>
-                  <a:glow>
-                    <a:schemeClr val="accent1"/>
-                  </a:glow>
-                  <a:reflection endPos="0" dist="50800" dir="5400000" sy="-100000" algn="bl" rotWithShape="0"/>
-                </a:effectLst>
-                <a:latin typeface="Century Schoolbook" panose="02040604050505020304" pitchFamily="18" charset="0"/>
-              </a:rPr>
-              <a:t>“</a:t>
-            </a:r>
-            <a:r>
-              <a:rPr lang="en-US" sz="7200" b="1" dirty="0">
-                <a:solidFill>
-                  <a:schemeClr val="accent3">
-                    <a:lumMod val="75000"/>
-                  </a:schemeClr>
-                </a:solidFill>
-                <a:effectLst>
-                  <a:glow>
-                    <a:schemeClr val="accent1"/>
-                  </a:glow>
-                  <a:reflection endPos="0" dist="50800" dir="5400000" sy="-100000" algn="bl" rotWithShape="0"/>
-                </a:effectLst>
-                <a:latin typeface="Century Schoolbook" panose="02040604050505020304" pitchFamily="18" charset="0"/>
-              </a:rPr>
-              <a:t> </a:t>
-            </a:r>
-          </a:p>
-        </p:txBody>
-      </p:sp>
-      <p:sp>
-        <p:nvSpPr>
-          <p:cNvPr id="17" name="Rectangle 16">
-            <a:extLst>
-              <a:ext uri="{FF2B5EF4-FFF2-40B4-BE49-F238E27FC236}">
-                <a16:creationId xmlns:a16="http://schemas.microsoft.com/office/drawing/2014/main" id="{BD268E05-0300-41FB-A119-81BEADFDBED6}"/>
-              </a:ext>
-            </a:extLst>
-          </p:cNvPr>
-          <p:cNvSpPr/>
-          <p:nvPr/>
-        </p:nvSpPr>
-        <p:spPr>
-          <a:xfrm flipH="1">
-            <a:off x="10401523" y="2259161"/>
-            <a:ext cx="45719" cy="2103835"/>
-          </a:xfrm>
-          <a:prstGeom prst="rect">
+            <a:off x="10135917" y="2994071"/>
+            <a:ext cx="600891" cy="600891"/>
+          </a:xfrm>
+          <a:prstGeom prst="ellipse">
             <a:avLst/>
           </a:prstGeom>
           <a:solidFill>
-            <a:schemeClr val="accent2">
-              <a:lumMod val="40000"/>
-              <a:lumOff val="60000"/>
-            </a:schemeClr>
+            <a:schemeClr val="bg1"/>
           </a:solidFill>
           <a:ln>
             <a:noFill/>
@@ -5772,58 +5866,6 @@
       </p:sp>
       <p:sp>
         <p:nvSpPr>
-          <p:cNvPr id="23" name="Oval 22">
-            <a:extLst>
-              <a:ext uri="{FF2B5EF4-FFF2-40B4-BE49-F238E27FC236}">
-                <a16:creationId xmlns:a16="http://schemas.microsoft.com/office/drawing/2014/main" id="{F6570437-6903-43AF-9ED1-2512215DFD26}"/>
-              </a:ext>
-            </a:extLst>
-          </p:cNvPr>
-          <p:cNvSpPr/>
-          <p:nvPr/>
-        </p:nvSpPr>
-        <p:spPr>
-          <a:xfrm>
-            <a:off x="10135917" y="2994071"/>
-            <a:ext cx="600891" cy="600891"/>
-          </a:xfrm>
-          <a:prstGeom prst="ellipse">
-            <a:avLst/>
-          </a:prstGeom>
-          <a:solidFill>
-            <a:schemeClr val="bg1"/>
-          </a:solidFill>
-          <a:ln>
-            <a:noFill/>
-          </a:ln>
-        </p:spPr>
-        <p:style>
-          <a:lnRef idx="2">
-            <a:schemeClr val="accent1">
-              <a:shade val="50000"/>
-            </a:schemeClr>
-          </a:lnRef>
-          <a:fillRef idx="1">
-            <a:schemeClr val="accent1"/>
-          </a:fillRef>
-          <a:effectRef idx="0">
-            <a:schemeClr val="accent1"/>
-          </a:effectRef>
-          <a:fontRef idx="minor">
-            <a:schemeClr val="lt1"/>
-          </a:fontRef>
-        </p:style>
-        <p:txBody>
-          <a:bodyPr rtlCol="0" anchor="ctr"/>
-          <a:lstStyle/>
-          <a:p>
-            <a:pPr algn="ctr"/>
-            <a:endParaRPr lang="en-US"/>
-          </a:p>
-        </p:txBody>
-      </p:sp>
-      <p:sp>
-        <p:nvSpPr>
           <p:cNvPr id="24" name="Rectangle 23">
             <a:extLst>
               <a:ext uri="{FF2B5EF4-FFF2-40B4-BE49-F238E27FC236}">
@@ -5883,98 +5925,6 @@
                 <a:latin typeface="Century Schoolbook" panose="02040604050505020304" pitchFamily="18" charset="0"/>
               </a:rPr>
               <a:t> </a:t>
-            </a:r>
-          </a:p>
-        </p:txBody>
-      </p:sp>
-      <p:sp>
-        <p:nvSpPr>
-          <p:cNvPr id="11" name="Rectangle: Rounded Corners 10">
-            <a:extLst>
-              <a:ext uri="{FF2B5EF4-FFF2-40B4-BE49-F238E27FC236}">
-                <a16:creationId xmlns:a16="http://schemas.microsoft.com/office/drawing/2014/main" id="{ACD0E371-8960-4676-A3E3-5171735164D0}"/>
-              </a:ext>
-            </a:extLst>
-          </p:cNvPr>
-          <p:cNvSpPr/>
-          <p:nvPr/>
-        </p:nvSpPr>
-        <p:spPr>
-          <a:xfrm>
-            <a:off x="5146766" y="-8709"/>
-            <a:ext cx="1733005" cy="369332"/>
-          </a:xfrm>
-          <a:prstGeom prst="roundRect">
-            <a:avLst/>
-          </a:prstGeom>
-          <a:solidFill>
-            <a:schemeClr val="bg1">
-              <a:lumMod val="85000"/>
-            </a:schemeClr>
-          </a:solidFill>
-          <a:ln>
-            <a:noFill/>
-          </a:ln>
-        </p:spPr>
-        <p:style>
-          <a:lnRef idx="2">
-            <a:schemeClr val="accent1">
-              <a:shade val="50000"/>
-            </a:schemeClr>
-          </a:lnRef>
-          <a:fillRef idx="1">
-            <a:schemeClr val="accent1"/>
-          </a:fillRef>
-          <a:effectRef idx="0">
-            <a:schemeClr val="accent1"/>
-          </a:effectRef>
-          <a:fontRef idx="minor">
-            <a:schemeClr val="lt1"/>
-          </a:fontRef>
-        </p:style>
-        <p:txBody>
-          <a:bodyPr rtlCol="0" anchor="ctr"/>
-          <a:lstStyle/>
-          <a:p>
-            <a:pPr algn="ctr"/>
-            <a:endParaRPr lang="en-US"/>
-          </a:p>
-        </p:txBody>
-      </p:sp>
-      <p:sp>
-        <p:nvSpPr>
-          <p:cNvPr id="15" name="TextBox 14">
-            <a:extLst>
-              <a:ext uri="{FF2B5EF4-FFF2-40B4-BE49-F238E27FC236}">
-                <a16:creationId xmlns:a16="http://schemas.microsoft.com/office/drawing/2014/main" id="{E1C59E5A-AC65-4995-9CC7-E078E9FD0FDC}"/>
-              </a:ext>
-            </a:extLst>
-          </p:cNvPr>
-          <p:cNvSpPr txBox="1"/>
-          <p:nvPr/>
-        </p:nvSpPr>
-        <p:spPr>
-          <a:xfrm>
-            <a:off x="5460275" y="-8709"/>
-            <a:ext cx="1271451" cy="369332"/>
-          </a:xfrm>
-          <a:prstGeom prst="rect">
-            <a:avLst/>
-          </a:prstGeom>
-          <a:noFill/>
-        </p:spPr>
-        <p:txBody>
-          <a:bodyPr wrap="square" rtlCol="0">
-            <a:spAutoFit/>
-          </a:bodyPr>
-          <a:lstStyle/>
-          <a:p>
-            <a:r>
-              <a:rPr lang="en-US" dirty="0">
-                <a:latin typeface="Arial" panose="020B0604020202020204" pitchFamily="34" charset="0"/>
-                <a:cs typeface="Arial" panose="020B0604020202020204" pitchFamily="34" charset="0"/>
-              </a:rPr>
-              <a:t>Option - 5</a:t>
             </a:r>
           </a:p>
         </p:txBody>

--- a/assets/public/Chapter_1_Introduction_to_business_and_accounting_concepts/documents/resources/BusinessConcepts.pptx
+++ b/assets/public/Chapter_1_Introduction_to_business_and_accounting_concepts/documents/resources/BusinessConcepts.pptx
@@ -5429,119 +5429,12 @@
           <a:chExt cx="0" cy="0"/>
         </a:xfrm>
       </p:grpSpPr>
-      <p:sp>
-        <p:nvSpPr>
-          <p:cNvPr id="14" name="Rectangle 13">
+      <p:grpSp>
+        <p:nvGrpSpPr>
+          <p:cNvPr id="5" name="Group 4">
             <a:extLst>
               <a:ext uri="{FF2B5EF4-FFF2-40B4-BE49-F238E27FC236}">
-                <a16:creationId xmlns:a16="http://schemas.microsoft.com/office/drawing/2014/main" id="{323007E2-C37B-4145-8DB2-0D90BCF884E3}"/>
-              </a:ext>
-            </a:extLst>
-          </p:cNvPr>
-          <p:cNvSpPr/>
-          <p:nvPr/>
-        </p:nvSpPr>
-        <p:spPr>
-          <a:xfrm flipH="1">
-            <a:off x="1581156" y="2267870"/>
-            <a:ext cx="45719" cy="2103835"/>
-          </a:xfrm>
-          <a:prstGeom prst="rect">
-            <a:avLst/>
-          </a:prstGeom>
-          <a:solidFill>
-            <a:schemeClr val="accent2">
-              <a:lumMod val="40000"/>
-              <a:lumOff val="60000"/>
-            </a:schemeClr>
-          </a:solidFill>
-          <a:ln>
-            <a:noFill/>
-          </a:ln>
-        </p:spPr>
-        <p:style>
-          <a:lnRef idx="2">
-            <a:schemeClr val="accent1">
-              <a:shade val="50000"/>
-            </a:schemeClr>
-          </a:lnRef>
-          <a:fillRef idx="1">
-            <a:schemeClr val="accent1"/>
-          </a:fillRef>
-          <a:effectRef idx="0">
-            <a:schemeClr val="accent1"/>
-          </a:effectRef>
-          <a:fontRef idx="minor">
-            <a:schemeClr val="lt1"/>
-          </a:fontRef>
-        </p:style>
-        <p:txBody>
-          <a:bodyPr rtlCol="0" anchor="ctr"/>
-          <a:lstStyle/>
-          <a:p>
-            <a:pPr algn="ctr"/>
-            <a:endParaRPr lang="en-US"/>
-          </a:p>
-        </p:txBody>
-      </p:sp>
-      <p:sp>
-        <p:nvSpPr>
-          <p:cNvPr id="9" name="Oval 8">
-            <a:extLst>
-              <a:ext uri="{FF2B5EF4-FFF2-40B4-BE49-F238E27FC236}">
-                <a16:creationId xmlns:a16="http://schemas.microsoft.com/office/drawing/2014/main" id="{06DB3C9D-84D6-4114-B977-B51F22854B4A}"/>
-              </a:ext>
-            </a:extLst>
-          </p:cNvPr>
-          <p:cNvSpPr/>
-          <p:nvPr/>
-        </p:nvSpPr>
-        <p:spPr>
-          <a:xfrm>
-            <a:off x="1309169" y="3004462"/>
-            <a:ext cx="600891" cy="600891"/>
-          </a:xfrm>
-          <a:prstGeom prst="ellipse">
-            <a:avLst/>
-          </a:prstGeom>
-          <a:solidFill>
-            <a:schemeClr val="bg1"/>
-          </a:solidFill>
-          <a:ln>
-            <a:noFill/>
-          </a:ln>
-        </p:spPr>
-        <p:style>
-          <a:lnRef idx="2">
-            <a:schemeClr val="accent1">
-              <a:shade val="50000"/>
-            </a:schemeClr>
-          </a:lnRef>
-          <a:fillRef idx="1">
-            <a:schemeClr val="accent1"/>
-          </a:fillRef>
-          <a:effectRef idx="0">
-            <a:schemeClr val="accent1"/>
-          </a:effectRef>
-          <a:fontRef idx="minor">
-            <a:schemeClr val="lt1"/>
-          </a:fontRef>
-        </p:style>
-        <p:txBody>
-          <a:bodyPr rtlCol="0" anchor="ctr"/>
-          <a:lstStyle/>
-          <a:p>
-            <a:pPr algn="ctr"/>
-            <a:endParaRPr lang="en-US"/>
-          </a:p>
-        </p:txBody>
-      </p:sp>
-      <p:grpSp>
-        <p:nvGrpSpPr>
-          <p:cNvPr id="4" name="Group 3">
-            <a:extLst>
-              <a:ext uri="{FF2B5EF4-FFF2-40B4-BE49-F238E27FC236}">
-                <a16:creationId xmlns:a16="http://schemas.microsoft.com/office/drawing/2014/main" id="{6A220613-8F41-4788-AA1A-DE4F884AE487}"/>
+                <a16:creationId xmlns:a16="http://schemas.microsoft.com/office/drawing/2014/main" id="{6E318CFD-86AA-4AA3-8BC5-3812E695E3F8}"/>
               </a:ext>
             </a:extLst>
           </p:cNvPr>
@@ -5550,218 +5443,18 @@
         </p:nvGrpSpPr>
         <p:grpSpPr>
           <a:xfrm>
-            <a:off x="1337317" y="2259161"/>
-            <a:ext cx="9109925" cy="2144211"/>
-            <a:chOff x="1337317" y="2259161"/>
-            <a:chExt cx="9109925" cy="2144211"/>
+            <a:off x="1309169" y="2259161"/>
+            <a:ext cx="9427639" cy="2144211"/>
+            <a:chOff x="1309169" y="2259161"/>
+            <a:chExt cx="9427639" cy="2144211"/>
           </a:xfrm>
         </p:grpSpPr>
-        <p:grpSp>
-          <p:nvGrpSpPr>
-            <p:cNvPr id="3" name="Group 2">
+        <p:sp>
+          <p:nvSpPr>
+            <p:cNvPr id="14" name="Rectangle 13">
               <a:extLst>
                 <a:ext uri="{FF2B5EF4-FFF2-40B4-BE49-F238E27FC236}">
-                  <a16:creationId xmlns:a16="http://schemas.microsoft.com/office/drawing/2014/main" id="{A9A49D68-6EE0-47FB-88E1-ABAC169ABE96}"/>
-                </a:ext>
-              </a:extLst>
-            </p:cNvPr>
-            <p:cNvGrpSpPr/>
-            <p:nvPr/>
-          </p:nvGrpSpPr>
-          <p:grpSpPr>
-            <a:xfrm>
-              <a:off x="2002970" y="2676539"/>
-              <a:ext cx="8368937" cy="1726833"/>
-              <a:chOff x="2002970" y="2676539"/>
-              <a:chExt cx="8368937" cy="1726833"/>
-            </a:xfrm>
-          </p:grpSpPr>
-          <p:sp>
-            <p:nvSpPr>
-              <p:cNvPr id="12" name="Rectangle 11">
-                <a:extLst>
-                  <a:ext uri="{FF2B5EF4-FFF2-40B4-BE49-F238E27FC236}">
-                    <a16:creationId xmlns:a16="http://schemas.microsoft.com/office/drawing/2014/main" id="{2C7811AC-8057-49D8-B182-328AA7A9A057}"/>
-                  </a:ext>
-                </a:extLst>
-              </p:cNvPr>
-              <p:cNvSpPr/>
-              <p:nvPr/>
-            </p:nvSpPr>
-            <p:spPr>
-              <a:xfrm>
-                <a:off x="2002970" y="2676539"/>
-                <a:ext cx="8368937" cy="1077218"/>
-              </a:xfrm>
-              <a:prstGeom prst="rect">
-                <a:avLst/>
-              </a:prstGeom>
-            </p:spPr>
-            <p:txBody>
-              <a:bodyPr wrap="square">
-                <a:spAutoFit/>
-              </a:bodyPr>
-              <a:lstStyle/>
-              <a:p>
-                <a:pPr>
-                  <a:spcBef>
-                    <a:spcPts val="1200"/>
-                  </a:spcBef>
-                  <a:spcAft>
-                    <a:spcPts val="1800"/>
-                  </a:spcAft>
-                </a:pPr>
-                <a:r>
-                  <a:rPr lang="en-US" sz="3200" dirty="0">
-                    <a:solidFill>
-                      <a:srgbClr val="584300"/>
-                    </a:solidFill>
-                    <a:effectLst>
-                      <a:outerShdw blurRad="50800" dist="38100" dir="8100000" algn="tr" rotWithShape="0">
-                        <a:prstClr val="black">
-                          <a:alpha val="40000"/>
-                        </a:prstClr>
-                      </a:outerShdw>
-                    </a:effectLst>
-                    <a:latin typeface="Ubuntu Condensed" panose="020B0506030602030204" pitchFamily="34" charset="0"/>
-                    <a:ea typeface="Open Sans Light" panose="020B0306030504020204" pitchFamily="34" charset="0"/>
-                    <a:cs typeface="Open Sans Light" panose="020B0306030504020204" pitchFamily="34" charset="0"/>
-                  </a:rPr>
-                  <a:t>You have to understand Accounting and the nuances of Accounting. It’s the language of business.</a:t>
-                </a:r>
-              </a:p>
-            </p:txBody>
-          </p:sp>
-          <p:sp>
-            <p:nvSpPr>
-              <p:cNvPr id="2" name="Rectangle 1">
-                <a:extLst>
-                  <a:ext uri="{FF2B5EF4-FFF2-40B4-BE49-F238E27FC236}">
-                    <a16:creationId xmlns:a16="http://schemas.microsoft.com/office/drawing/2014/main" id="{2E26CEB4-BE26-4066-A343-CDDE110E841B}"/>
-                  </a:ext>
-                </a:extLst>
-              </p:cNvPr>
-              <p:cNvSpPr/>
-              <p:nvPr/>
-            </p:nvSpPr>
-            <p:spPr>
-              <a:xfrm>
-                <a:off x="5590900" y="4064818"/>
-                <a:ext cx="4453463" cy="338554"/>
-              </a:xfrm>
-              <a:prstGeom prst="rect">
-                <a:avLst/>
-              </a:prstGeom>
-            </p:spPr>
-            <p:txBody>
-              <a:bodyPr wrap="none">
-                <a:spAutoFit/>
-              </a:bodyPr>
-              <a:lstStyle/>
-              <a:p>
-                <a:r>
-                  <a:rPr lang="en-US" sz="1600" b="1" dirty="0">
-                    <a:solidFill>
-                      <a:schemeClr val="tx1">
-                        <a:lumMod val="65000"/>
-                        <a:lumOff val="35000"/>
-                      </a:schemeClr>
-                    </a:solidFill>
-                    <a:latin typeface="Ubuntu Condensed" panose="020B0506030602030204" pitchFamily="34" charset="0"/>
-                    <a:ea typeface="Open Sans" panose="020B0606030504020204" pitchFamily="34" charset="0"/>
-                    <a:cs typeface="Open Sans" panose="020B0606030504020204" pitchFamily="34" charset="0"/>
-                  </a:rPr>
-                  <a:t>WARREN BUFFET - </a:t>
-                </a:r>
-                <a:r>
-                  <a:rPr lang="en-US" sz="1600" dirty="0">
-                    <a:solidFill>
-                      <a:schemeClr val="tx1">
-                        <a:lumMod val="65000"/>
-                        <a:lumOff val="35000"/>
-                      </a:schemeClr>
-                    </a:solidFill>
-                    <a:latin typeface="Ubuntu Condensed" panose="020B0506030602030204" pitchFamily="34" charset="0"/>
-                    <a:ea typeface="Open Sans" panose="020B0606030504020204" pitchFamily="34" charset="0"/>
-                    <a:cs typeface="Open Sans" panose="020B0606030504020204" pitchFamily="34" charset="0"/>
-                  </a:rPr>
-                  <a:t>Chairman &amp; CEO, Berkshire Hathaway</a:t>
-                </a:r>
-              </a:p>
-            </p:txBody>
-          </p:sp>
-        </p:grpSp>
-        <p:sp>
-          <p:nvSpPr>
-            <p:cNvPr id="13" name="Rectangle 12">
-              <a:extLst>
-                <a:ext uri="{FF2B5EF4-FFF2-40B4-BE49-F238E27FC236}">
-                  <a16:creationId xmlns:a16="http://schemas.microsoft.com/office/drawing/2014/main" id="{7685075F-3597-44A7-A8DB-B52BC9A48E4F}"/>
-                </a:ext>
-              </a:extLst>
-            </p:cNvPr>
-            <p:cNvSpPr/>
-            <p:nvPr/>
-          </p:nvSpPr>
-          <p:spPr>
-            <a:xfrm>
-              <a:off x="1337317" y="2736451"/>
-              <a:ext cx="585649" cy="1200329"/>
-            </a:xfrm>
-            <a:prstGeom prst="rect">
-              <a:avLst/>
-            </a:prstGeom>
-            <a:effectLst/>
-          </p:spPr>
-          <p:txBody>
-            <a:bodyPr wrap="square">
-              <a:spAutoFit/>
-            </a:bodyPr>
-            <a:lstStyle/>
-            <a:p>
-              <a:r>
-                <a:rPr lang="en-US" sz="5400" b="1" dirty="0">
-                  <a:solidFill>
-                    <a:schemeClr val="accent2">
-                      <a:lumMod val="75000"/>
-                    </a:schemeClr>
-                  </a:solidFill>
-                  <a:effectLst>
-                    <a:glow>
-                      <a:schemeClr val="accent1"/>
-                    </a:glow>
-                    <a:reflection endPos="0" dist="50800" dir="5400000" sy="-100000" algn="bl" rotWithShape="0"/>
-                  </a:effectLst>
-                  <a:latin typeface="Century Schoolbook" panose="02040604050505020304" pitchFamily="18" charset="0"/>
-                </a:rPr>
-                <a:t>“</a:t>
-              </a:r>
-              <a:r>
-                <a:rPr lang="en-US" sz="7200" b="1" dirty="0">
-                  <a:solidFill>
-                    <a:schemeClr val="accent3">
-                      <a:lumMod val="75000"/>
-                    </a:schemeClr>
-                  </a:solidFill>
-                  <a:effectLst>
-                    <a:glow>
-                      <a:schemeClr val="accent1"/>
-                    </a:glow>
-                    <a:reflection endPos="0" dist="50800" dir="5400000" sy="-100000" algn="bl" rotWithShape="0"/>
-                  </a:effectLst>
-                  <a:latin typeface="Century Schoolbook" panose="02040604050505020304" pitchFamily="18" charset="0"/>
-                </a:rPr>
-                <a:t> </a:t>
-              </a:r>
-            </a:p>
-          </p:txBody>
-        </p:sp>
-        <p:sp>
-          <p:nvSpPr>
-            <p:cNvPr id="17" name="Rectangle 16">
-              <a:extLst>
-                <a:ext uri="{FF2B5EF4-FFF2-40B4-BE49-F238E27FC236}">
-                  <a16:creationId xmlns:a16="http://schemas.microsoft.com/office/drawing/2014/main" id="{BD268E05-0300-41FB-A119-81BEADFDBED6}"/>
+                  <a16:creationId xmlns:a16="http://schemas.microsoft.com/office/drawing/2014/main" id="{323007E2-C37B-4145-8DB2-0D90BCF884E3}"/>
                 </a:ext>
               </a:extLst>
             </p:cNvPr>
@@ -5770,7 +5463,7 @@
           </p:nvSpPr>
           <p:spPr>
             <a:xfrm flipH="1">
-              <a:off x="10401523" y="2259161"/>
+              <a:off x="1581156" y="2267870"/>
               <a:ext cx="45719" cy="2103835"/>
             </a:xfrm>
             <a:prstGeom prst="rect">
@@ -5811,124 +5504,452 @@
             </a:p>
           </p:txBody>
         </p:sp>
+        <p:sp>
+          <p:nvSpPr>
+            <p:cNvPr id="9" name="Oval 8">
+              <a:extLst>
+                <a:ext uri="{FF2B5EF4-FFF2-40B4-BE49-F238E27FC236}">
+                  <a16:creationId xmlns:a16="http://schemas.microsoft.com/office/drawing/2014/main" id="{06DB3C9D-84D6-4114-B977-B51F22854B4A}"/>
+                </a:ext>
+              </a:extLst>
+            </p:cNvPr>
+            <p:cNvSpPr/>
+            <p:nvPr/>
+          </p:nvSpPr>
+          <p:spPr>
+            <a:xfrm>
+              <a:off x="1309169" y="3004462"/>
+              <a:ext cx="600891" cy="600891"/>
+            </a:xfrm>
+            <a:prstGeom prst="ellipse">
+              <a:avLst/>
+            </a:prstGeom>
+            <a:solidFill>
+              <a:schemeClr val="bg1"/>
+            </a:solidFill>
+            <a:ln>
+              <a:noFill/>
+            </a:ln>
+          </p:spPr>
+          <p:style>
+            <a:lnRef idx="2">
+              <a:schemeClr val="accent1">
+                <a:shade val="50000"/>
+              </a:schemeClr>
+            </a:lnRef>
+            <a:fillRef idx="1">
+              <a:schemeClr val="accent1"/>
+            </a:fillRef>
+            <a:effectRef idx="0">
+              <a:schemeClr val="accent1"/>
+            </a:effectRef>
+            <a:fontRef idx="minor">
+              <a:schemeClr val="lt1"/>
+            </a:fontRef>
+          </p:style>
+          <p:txBody>
+            <a:bodyPr rtlCol="0" anchor="ctr"/>
+            <a:lstStyle/>
+            <a:p>
+              <a:pPr algn="ctr"/>
+              <a:endParaRPr lang="en-US"/>
+            </a:p>
+          </p:txBody>
+        </p:sp>
+        <p:grpSp>
+          <p:nvGrpSpPr>
+            <p:cNvPr id="4" name="Group 3">
+              <a:extLst>
+                <a:ext uri="{FF2B5EF4-FFF2-40B4-BE49-F238E27FC236}">
+                  <a16:creationId xmlns:a16="http://schemas.microsoft.com/office/drawing/2014/main" id="{6A220613-8F41-4788-AA1A-DE4F884AE487}"/>
+                </a:ext>
+              </a:extLst>
+            </p:cNvPr>
+            <p:cNvGrpSpPr/>
+            <p:nvPr/>
+          </p:nvGrpSpPr>
+          <p:grpSpPr>
+            <a:xfrm>
+              <a:off x="1337317" y="2259161"/>
+              <a:ext cx="9109925" cy="2144211"/>
+              <a:chOff x="1337317" y="2259161"/>
+              <a:chExt cx="9109925" cy="2144211"/>
+            </a:xfrm>
+          </p:grpSpPr>
+          <p:grpSp>
+            <p:nvGrpSpPr>
+              <p:cNvPr id="3" name="Group 2">
+                <a:extLst>
+                  <a:ext uri="{FF2B5EF4-FFF2-40B4-BE49-F238E27FC236}">
+                    <a16:creationId xmlns:a16="http://schemas.microsoft.com/office/drawing/2014/main" id="{A9A49D68-6EE0-47FB-88E1-ABAC169ABE96}"/>
+                  </a:ext>
+                </a:extLst>
+              </p:cNvPr>
+              <p:cNvGrpSpPr/>
+              <p:nvPr/>
+            </p:nvGrpSpPr>
+            <p:grpSpPr>
+              <a:xfrm>
+                <a:off x="2002970" y="2676539"/>
+                <a:ext cx="8368937" cy="1726833"/>
+                <a:chOff x="2002970" y="2676539"/>
+                <a:chExt cx="8368937" cy="1726833"/>
+              </a:xfrm>
+            </p:grpSpPr>
+            <p:sp>
+              <p:nvSpPr>
+                <p:cNvPr id="12" name="Rectangle 11">
+                  <a:extLst>
+                    <a:ext uri="{FF2B5EF4-FFF2-40B4-BE49-F238E27FC236}">
+                      <a16:creationId xmlns:a16="http://schemas.microsoft.com/office/drawing/2014/main" id="{2C7811AC-8057-49D8-B182-328AA7A9A057}"/>
+                    </a:ext>
+                  </a:extLst>
+                </p:cNvPr>
+                <p:cNvSpPr/>
+                <p:nvPr/>
+              </p:nvSpPr>
+              <p:spPr>
+                <a:xfrm>
+                  <a:off x="2002970" y="2676539"/>
+                  <a:ext cx="8368937" cy="1077218"/>
+                </a:xfrm>
+                <a:prstGeom prst="rect">
+                  <a:avLst/>
+                </a:prstGeom>
+              </p:spPr>
+              <p:txBody>
+                <a:bodyPr wrap="square">
+                  <a:spAutoFit/>
+                </a:bodyPr>
+                <a:lstStyle/>
+                <a:p>
+                  <a:pPr>
+                    <a:spcBef>
+                      <a:spcPts val="1200"/>
+                    </a:spcBef>
+                    <a:spcAft>
+                      <a:spcPts val="1800"/>
+                    </a:spcAft>
+                  </a:pPr>
+                  <a:r>
+                    <a:rPr lang="en-US" sz="3200" dirty="0">
+                      <a:solidFill>
+                        <a:srgbClr val="584300"/>
+                      </a:solidFill>
+                      <a:effectLst>
+                        <a:outerShdw blurRad="50800" dist="38100" dir="8100000" algn="tr" rotWithShape="0">
+                          <a:prstClr val="black">
+                            <a:alpha val="40000"/>
+                          </a:prstClr>
+                        </a:outerShdw>
+                      </a:effectLst>
+                      <a:latin typeface="Ubuntu Condensed" panose="020B0506030602030204" pitchFamily="34" charset="0"/>
+                      <a:ea typeface="Open Sans Light" panose="020B0306030504020204" pitchFamily="34" charset="0"/>
+                      <a:cs typeface="Open Sans Light" panose="020B0306030504020204" pitchFamily="34" charset="0"/>
+                    </a:rPr>
+                    <a:t>You have to understand Accounting and the nuances of Accounting. It’s the language of business.</a:t>
+                  </a:r>
+                </a:p>
+              </p:txBody>
+            </p:sp>
+            <p:sp>
+              <p:nvSpPr>
+                <p:cNvPr id="2" name="Rectangle 1">
+                  <a:extLst>
+                    <a:ext uri="{FF2B5EF4-FFF2-40B4-BE49-F238E27FC236}">
+                      <a16:creationId xmlns:a16="http://schemas.microsoft.com/office/drawing/2014/main" id="{2E26CEB4-BE26-4066-A343-CDDE110E841B}"/>
+                    </a:ext>
+                  </a:extLst>
+                </p:cNvPr>
+                <p:cNvSpPr/>
+                <p:nvPr/>
+              </p:nvSpPr>
+              <p:spPr>
+                <a:xfrm>
+                  <a:off x="5590900" y="4064818"/>
+                  <a:ext cx="4453463" cy="338554"/>
+                </a:xfrm>
+                <a:prstGeom prst="rect">
+                  <a:avLst/>
+                </a:prstGeom>
+              </p:spPr>
+              <p:txBody>
+                <a:bodyPr wrap="none">
+                  <a:spAutoFit/>
+                </a:bodyPr>
+                <a:lstStyle/>
+                <a:p>
+                  <a:r>
+                    <a:rPr lang="en-US" sz="1600" b="1" dirty="0">
+                      <a:solidFill>
+                        <a:schemeClr val="tx1">
+                          <a:lumMod val="65000"/>
+                          <a:lumOff val="35000"/>
+                        </a:schemeClr>
+                      </a:solidFill>
+                      <a:latin typeface="Ubuntu Condensed" panose="020B0506030602030204" pitchFamily="34" charset="0"/>
+                      <a:ea typeface="Open Sans" panose="020B0606030504020204" pitchFamily="34" charset="0"/>
+                      <a:cs typeface="Open Sans" panose="020B0606030504020204" pitchFamily="34" charset="0"/>
+                    </a:rPr>
+                    <a:t>WARREN BUFFET - </a:t>
+                  </a:r>
+                  <a:r>
+                    <a:rPr lang="en-US" sz="1600" dirty="0">
+                      <a:solidFill>
+                        <a:schemeClr val="tx1">
+                          <a:lumMod val="65000"/>
+                          <a:lumOff val="35000"/>
+                        </a:schemeClr>
+                      </a:solidFill>
+                      <a:latin typeface="Ubuntu Condensed" panose="020B0506030602030204" pitchFamily="34" charset="0"/>
+                      <a:ea typeface="Open Sans" panose="020B0606030504020204" pitchFamily="34" charset="0"/>
+                      <a:cs typeface="Open Sans" panose="020B0606030504020204" pitchFamily="34" charset="0"/>
+                    </a:rPr>
+                    <a:t>Chairman &amp; CEO, Berkshire Hathaway</a:t>
+                  </a:r>
+                </a:p>
+              </p:txBody>
+            </p:sp>
+          </p:grpSp>
+          <p:sp>
+            <p:nvSpPr>
+              <p:cNvPr id="13" name="Rectangle 12">
+                <a:extLst>
+                  <a:ext uri="{FF2B5EF4-FFF2-40B4-BE49-F238E27FC236}">
+                    <a16:creationId xmlns:a16="http://schemas.microsoft.com/office/drawing/2014/main" id="{7685075F-3597-44A7-A8DB-B52BC9A48E4F}"/>
+                  </a:ext>
+                </a:extLst>
+              </p:cNvPr>
+              <p:cNvSpPr/>
+              <p:nvPr/>
+            </p:nvSpPr>
+            <p:spPr>
+              <a:xfrm>
+                <a:off x="1337317" y="2736451"/>
+                <a:ext cx="585649" cy="1200329"/>
+              </a:xfrm>
+              <a:prstGeom prst="rect">
+                <a:avLst/>
+              </a:prstGeom>
+              <a:effectLst/>
+            </p:spPr>
+            <p:txBody>
+              <a:bodyPr wrap="square">
+                <a:spAutoFit/>
+              </a:bodyPr>
+              <a:lstStyle/>
+              <a:p>
+                <a:r>
+                  <a:rPr lang="en-US" sz="5400" b="1" dirty="0">
+                    <a:solidFill>
+                      <a:schemeClr val="accent2">
+                        <a:lumMod val="75000"/>
+                      </a:schemeClr>
+                    </a:solidFill>
+                    <a:effectLst>
+                      <a:glow>
+                        <a:schemeClr val="accent1"/>
+                      </a:glow>
+                      <a:reflection endPos="0" dist="50800" dir="5400000" sy="-100000" algn="bl" rotWithShape="0"/>
+                    </a:effectLst>
+                    <a:latin typeface="Century Schoolbook" panose="02040604050505020304" pitchFamily="18" charset="0"/>
+                  </a:rPr>
+                  <a:t>“</a:t>
+                </a:r>
+                <a:r>
+                  <a:rPr lang="en-US" sz="7200" b="1" dirty="0">
+                    <a:solidFill>
+                      <a:schemeClr val="accent3">
+                        <a:lumMod val="75000"/>
+                      </a:schemeClr>
+                    </a:solidFill>
+                    <a:effectLst>
+                      <a:glow>
+                        <a:schemeClr val="accent1"/>
+                      </a:glow>
+                      <a:reflection endPos="0" dist="50800" dir="5400000" sy="-100000" algn="bl" rotWithShape="0"/>
+                    </a:effectLst>
+                    <a:latin typeface="Century Schoolbook" panose="02040604050505020304" pitchFamily="18" charset="0"/>
+                  </a:rPr>
+                  <a:t> </a:t>
+                </a:r>
+              </a:p>
+            </p:txBody>
+          </p:sp>
+          <p:sp>
+            <p:nvSpPr>
+              <p:cNvPr id="17" name="Rectangle 16">
+                <a:extLst>
+                  <a:ext uri="{FF2B5EF4-FFF2-40B4-BE49-F238E27FC236}">
+                    <a16:creationId xmlns:a16="http://schemas.microsoft.com/office/drawing/2014/main" id="{BD268E05-0300-41FB-A119-81BEADFDBED6}"/>
+                  </a:ext>
+                </a:extLst>
+              </p:cNvPr>
+              <p:cNvSpPr/>
+              <p:nvPr/>
+            </p:nvSpPr>
+            <p:spPr>
+              <a:xfrm flipH="1">
+                <a:off x="10401523" y="2259161"/>
+                <a:ext cx="45719" cy="2103835"/>
+              </a:xfrm>
+              <a:prstGeom prst="rect">
+                <a:avLst/>
+              </a:prstGeom>
+              <a:solidFill>
+                <a:schemeClr val="accent2">
+                  <a:lumMod val="40000"/>
+                  <a:lumOff val="60000"/>
+                </a:schemeClr>
+              </a:solidFill>
+              <a:ln>
+                <a:noFill/>
+              </a:ln>
+            </p:spPr>
+            <p:style>
+              <a:lnRef idx="2">
+                <a:schemeClr val="accent1">
+                  <a:shade val="50000"/>
+                </a:schemeClr>
+              </a:lnRef>
+              <a:fillRef idx="1">
+                <a:schemeClr val="accent1"/>
+              </a:fillRef>
+              <a:effectRef idx="0">
+                <a:schemeClr val="accent1"/>
+              </a:effectRef>
+              <a:fontRef idx="minor">
+                <a:schemeClr val="lt1"/>
+              </a:fontRef>
+            </p:style>
+            <p:txBody>
+              <a:bodyPr rtlCol="0" anchor="ctr"/>
+              <a:lstStyle/>
+              <a:p>
+                <a:pPr algn="ctr"/>
+                <a:endParaRPr lang="en-US"/>
+              </a:p>
+            </p:txBody>
+          </p:sp>
+        </p:grpSp>
+        <p:sp>
+          <p:nvSpPr>
+            <p:cNvPr id="23" name="Oval 22">
+              <a:extLst>
+                <a:ext uri="{FF2B5EF4-FFF2-40B4-BE49-F238E27FC236}">
+                  <a16:creationId xmlns:a16="http://schemas.microsoft.com/office/drawing/2014/main" id="{F6570437-6903-43AF-9ED1-2512215DFD26}"/>
+                </a:ext>
+              </a:extLst>
+            </p:cNvPr>
+            <p:cNvSpPr/>
+            <p:nvPr/>
+          </p:nvSpPr>
+          <p:spPr>
+            <a:xfrm>
+              <a:off x="10135917" y="2994071"/>
+              <a:ext cx="600891" cy="600891"/>
+            </a:xfrm>
+            <a:prstGeom prst="ellipse">
+              <a:avLst/>
+            </a:prstGeom>
+            <a:solidFill>
+              <a:schemeClr val="bg1"/>
+            </a:solidFill>
+            <a:ln>
+              <a:noFill/>
+            </a:ln>
+          </p:spPr>
+          <p:style>
+            <a:lnRef idx="2">
+              <a:schemeClr val="accent1">
+                <a:shade val="50000"/>
+              </a:schemeClr>
+            </a:lnRef>
+            <a:fillRef idx="1">
+              <a:schemeClr val="accent1"/>
+            </a:fillRef>
+            <a:effectRef idx="0">
+              <a:schemeClr val="accent1"/>
+            </a:effectRef>
+            <a:fontRef idx="minor">
+              <a:schemeClr val="lt1"/>
+            </a:fontRef>
+          </p:style>
+          <p:txBody>
+            <a:bodyPr rtlCol="0" anchor="ctr"/>
+            <a:lstStyle/>
+            <a:p>
+              <a:pPr algn="ctr"/>
+              <a:endParaRPr lang="en-US"/>
+            </a:p>
+          </p:txBody>
+        </p:sp>
+        <p:sp>
+          <p:nvSpPr>
+            <p:cNvPr id="24" name="Rectangle 23">
+              <a:extLst>
+                <a:ext uri="{FF2B5EF4-FFF2-40B4-BE49-F238E27FC236}">
+                  <a16:creationId xmlns:a16="http://schemas.microsoft.com/office/drawing/2014/main" id="{2D1081A2-4152-413E-800A-28D2EA0D1924}"/>
+                </a:ext>
+              </a:extLst>
+            </p:cNvPr>
+            <p:cNvSpPr/>
+            <p:nvPr/>
+          </p:nvSpPr>
+          <p:spPr>
+            <a:xfrm flipV="1">
+              <a:off x="10111814" y="2638970"/>
+              <a:ext cx="585649" cy="1200329"/>
+            </a:xfrm>
+            <a:prstGeom prst="rect">
+              <a:avLst/>
+            </a:prstGeom>
+            <a:effectLst/>
+          </p:spPr>
+          <p:txBody>
+            <a:bodyPr wrap="square">
+              <a:spAutoFit/>
+            </a:bodyPr>
+            <a:lstStyle/>
+            <a:p>
+              <a:r>
+                <a:rPr lang="en-US" sz="5400" b="1" dirty="0">
+                  <a:solidFill>
+                    <a:schemeClr val="accent2">
+                      <a:lumMod val="75000"/>
+                    </a:schemeClr>
+                  </a:solidFill>
+                  <a:effectLst>
+                    <a:glow>
+                      <a:schemeClr val="accent1"/>
+                    </a:glow>
+                    <a:reflection endPos="0" dist="50800" dir="5400000" sy="-100000" algn="bl" rotWithShape="0"/>
+                  </a:effectLst>
+                  <a:latin typeface="Century Schoolbook" panose="02040604050505020304" pitchFamily="18" charset="0"/>
+                </a:rPr>
+                <a:t>“</a:t>
+              </a:r>
+              <a:r>
+                <a:rPr lang="en-US" sz="7200" b="1" dirty="0">
+                  <a:solidFill>
+                    <a:schemeClr val="accent2">
+                      <a:lumMod val="75000"/>
+                    </a:schemeClr>
+                  </a:solidFill>
+                  <a:effectLst>
+                    <a:glow>
+                      <a:schemeClr val="accent1"/>
+                    </a:glow>
+                    <a:reflection endPos="0" dist="50800" dir="5400000" sy="-100000" algn="bl" rotWithShape="0"/>
+                  </a:effectLst>
+                  <a:latin typeface="Century Schoolbook" panose="02040604050505020304" pitchFamily="18" charset="0"/>
+                </a:rPr>
+                <a:t> </a:t>
+              </a:r>
+            </a:p>
+          </p:txBody>
+        </p:sp>
       </p:grpSp>
-      <p:sp>
-        <p:nvSpPr>
-          <p:cNvPr id="23" name="Oval 22">
-            <a:extLst>
-              <a:ext uri="{FF2B5EF4-FFF2-40B4-BE49-F238E27FC236}">
-                <a16:creationId xmlns:a16="http://schemas.microsoft.com/office/drawing/2014/main" id="{F6570437-6903-43AF-9ED1-2512215DFD26}"/>
-              </a:ext>
-            </a:extLst>
-          </p:cNvPr>
-          <p:cNvSpPr/>
-          <p:nvPr/>
-        </p:nvSpPr>
-        <p:spPr>
-          <a:xfrm>
-            <a:off x="10135917" y="2994071"/>
-            <a:ext cx="600891" cy="600891"/>
-          </a:xfrm>
-          <a:prstGeom prst="ellipse">
-            <a:avLst/>
-          </a:prstGeom>
-          <a:solidFill>
-            <a:schemeClr val="bg1"/>
-          </a:solidFill>
-          <a:ln>
-            <a:noFill/>
-          </a:ln>
-        </p:spPr>
-        <p:style>
-          <a:lnRef idx="2">
-            <a:schemeClr val="accent1">
-              <a:shade val="50000"/>
-            </a:schemeClr>
-          </a:lnRef>
-          <a:fillRef idx="1">
-            <a:schemeClr val="accent1"/>
-          </a:fillRef>
-          <a:effectRef idx="0">
-            <a:schemeClr val="accent1"/>
-          </a:effectRef>
-          <a:fontRef idx="minor">
-            <a:schemeClr val="lt1"/>
-          </a:fontRef>
-        </p:style>
-        <p:txBody>
-          <a:bodyPr rtlCol="0" anchor="ctr"/>
-          <a:lstStyle/>
-          <a:p>
-            <a:pPr algn="ctr"/>
-            <a:endParaRPr lang="en-US"/>
-          </a:p>
-        </p:txBody>
-      </p:sp>
-      <p:sp>
-        <p:nvSpPr>
-          <p:cNvPr id="24" name="Rectangle 23">
-            <a:extLst>
-              <a:ext uri="{FF2B5EF4-FFF2-40B4-BE49-F238E27FC236}">
-                <a16:creationId xmlns:a16="http://schemas.microsoft.com/office/drawing/2014/main" id="{2D1081A2-4152-413E-800A-28D2EA0D1924}"/>
-              </a:ext>
-            </a:extLst>
-          </p:cNvPr>
-          <p:cNvSpPr/>
-          <p:nvPr/>
-        </p:nvSpPr>
-        <p:spPr>
-          <a:xfrm flipV="1">
-            <a:off x="10111814" y="2638970"/>
-            <a:ext cx="585649" cy="1200329"/>
-          </a:xfrm>
-          <a:prstGeom prst="rect">
-            <a:avLst/>
-          </a:prstGeom>
-          <a:effectLst/>
-        </p:spPr>
-        <p:txBody>
-          <a:bodyPr wrap="square">
-            <a:spAutoFit/>
-          </a:bodyPr>
-          <a:lstStyle/>
-          <a:p>
-            <a:r>
-              <a:rPr lang="en-US" sz="5400" b="1" dirty="0">
-                <a:solidFill>
-                  <a:schemeClr val="accent2">
-                    <a:lumMod val="75000"/>
-                  </a:schemeClr>
-                </a:solidFill>
-                <a:effectLst>
-                  <a:glow>
-                    <a:schemeClr val="accent1"/>
-                  </a:glow>
-                  <a:reflection endPos="0" dist="50800" dir="5400000" sy="-100000" algn="bl" rotWithShape="0"/>
-                </a:effectLst>
-                <a:latin typeface="Century Schoolbook" panose="02040604050505020304" pitchFamily="18" charset="0"/>
-              </a:rPr>
-              <a:t>“</a:t>
-            </a:r>
-            <a:r>
-              <a:rPr lang="en-US" sz="7200" b="1" dirty="0">
-                <a:solidFill>
-                  <a:schemeClr val="accent2">
-                    <a:lumMod val="75000"/>
-                  </a:schemeClr>
-                </a:solidFill>
-                <a:effectLst>
-                  <a:glow>
-                    <a:schemeClr val="accent1"/>
-                  </a:glow>
-                  <a:reflection endPos="0" dist="50800" dir="5400000" sy="-100000" algn="bl" rotWithShape="0"/>
-                </a:effectLst>
-                <a:latin typeface="Century Schoolbook" panose="02040604050505020304" pitchFamily="18" charset="0"/>
-              </a:rPr>
-              <a:t> </a:t>
-            </a:r>
-          </a:p>
-        </p:txBody>
-      </p:sp>
     </p:spTree>
     <p:extLst>
       <p:ext uri="{BB962C8B-B14F-4D97-AF65-F5344CB8AC3E}">

--- a/assets/public/Chapter_1_Introduction_to_business_and_accounting_concepts/documents/resources/BusinessConcepts.pptx
+++ b/assets/public/Chapter_1_Introduction_to_business_and_accounting_concepts/documents/resources/BusinessConcepts.pptx
@@ -5429,527 +5429,36 @@
           <a:chExt cx="0" cy="0"/>
         </a:xfrm>
       </p:grpSpPr>
-      <p:grpSp>
-        <p:nvGrpSpPr>
-          <p:cNvPr id="5" name="Group 4">
+      <p:pic>
+        <p:nvPicPr>
+          <p:cNvPr id="6" name="Picture 5">
             <a:extLst>
               <a:ext uri="{FF2B5EF4-FFF2-40B4-BE49-F238E27FC236}">
-                <a16:creationId xmlns:a16="http://schemas.microsoft.com/office/drawing/2014/main" id="{6E318CFD-86AA-4AA3-8BC5-3812E695E3F8}"/>
+                <a16:creationId xmlns:a16="http://schemas.microsoft.com/office/drawing/2014/main" id="{247A23A1-535A-44C9-97DE-B279C0D2A7D4}"/>
               </a:ext>
             </a:extLst>
           </p:cNvPr>
-          <p:cNvGrpSpPr/>
+          <p:cNvPicPr>
+            <a:picLocks noChangeAspect="1"/>
+          </p:cNvPicPr>
           <p:nvPr/>
-        </p:nvGrpSpPr>
-        <p:grpSpPr>
-          <a:xfrm>
-            <a:off x="1309169" y="2259161"/>
-            <a:ext cx="9427639" cy="2144211"/>
-            <a:chOff x="1309169" y="2259161"/>
-            <a:chExt cx="9427639" cy="2144211"/>
-          </a:xfrm>
-        </p:grpSpPr>
-        <p:sp>
-          <p:nvSpPr>
-            <p:cNvPr id="14" name="Rectangle 13">
-              <a:extLst>
-                <a:ext uri="{FF2B5EF4-FFF2-40B4-BE49-F238E27FC236}">
-                  <a16:creationId xmlns:a16="http://schemas.microsoft.com/office/drawing/2014/main" id="{323007E2-C37B-4145-8DB2-0D90BCF884E3}"/>
-                </a:ext>
-              </a:extLst>
-            </p:cNvPr>
-            <p:cNvSpPr/>
-            <p:nvPr/>
-          </p:nvSpPr>
-          <p:spPr>
-            <a:xfrm flipH="1">
-              <a:off x="1581156" y="2267870"/>
-              <a:ext cx="45719" cy="2103835"/>
-            </a:xfrm>
-            <a:prstGeom prst="rect">
-              <a:avLst/>
-            </a:prstGeom>
-            <a:solidFill>
-              <a:schemeClr val="accent2">
-                <a:lumMod val="40000"/>
-                <a:lumOff val="60000"/>
-              </a:schemeClr>
-            </a:solidFill>
-            <a:ln>
-              <a:noFill/>
-            </a:ln>
-          </p:spPr>
-          <p:style>
-            <a:lnRef idx="2">
-              <a:schemeClr val="accent1">
-                <a:shade val="50000"/>
-              </a:schemeClr>
-            </a:lnRef>
-            <a:fillRef idx="1">
-              <a:schemeClr val="accent1"/>
-            </a:fillRef>
-            <a:effectRef idx="0">
-              <a:schemeClr val="accent1"/>
-            </a:effectRef>
-            <a:fontRef idx="minor">
-              <a:schemeClr val="lt1"/>
-            </a:fontRef>
-          </p:style>
-          <p:txBody>
-            <a:bodyPr rtlCol="0" anchor="ctr"/>
-            <a:lstStyle/>
-            <a:p>
-              <a:pPr algn="ctr"/>
-              <a:endParaRPr lang="en-US"/>
-            </a:p>
-          </p:txBody>
-        </p:sp>
-        <p:sp>
-          <p:nvSpPr>
-            <p:cNvPr id="9" name="Oval 8">
-              <a:extLst>
-                <a:ext uri="{FF2B5EF4-FFF2-40B4-BE49-F238E27FC236}">
-                  <a16:creationId xmlns:a16="http://schemas.microsoft.com/office/drawing/2014/main" id="{06DB3C9D-84D6-4114-B977-B51F22854B4A}"/>
-                </a:ext>
-              </a:extLst>
-            </p:cNvPr>
-            <p:cNvSpPr/>
-            <p:nvPr/>
-          </p:nvSpPr>
-          <p:spPr>
-            <a:xfrm>
-              <a:off x="1309169" y="3004462"/>
-              <a:ext cx="600891" cy="600891"/>
-            </a:xfrm>
-            <a:prstGeom prst="ellipse">
-              <a:avLst/>
-            </a:prstGeom>
-            <a:solidFill>
-              <a:schemeClr val="bg1"/>
-            </a:solidFill>
-            <a:ln>
-              <a:noFill/>
-            </a:ln>
-          </p:spPr>
-          <p:style>
-            <a:lnRef idx="2">
-              <a:schemeClr val="accent1">
-                <a:shade val="50000"/>
-              </a:schemeClr>
-            </a:lnRef>
-            <a:fillRef idx="1">
-              <a:schemeClr val="accent1"/>
-            </a:fillRef>
-            <a:effectRef idx="0">
-              <a:schemeClr val="accent1"/>
-            </a:effectRef>
-            <a:fontRef idx="minor">
-              <a:schemeClr val="lt1"/>
-            </a:fontRef>
-          </p:style>
-          <p:txBody>
-            <a:bodyPr rtlCol="0" anchor="ctr"/>
-            <a:lstStyle/>
-            <a:p>
-              <a:pPr algn="ctr"/>
-              <a:endParaRPr lang="en-US"/>
-            </a:p>
-          </p:txBody>
-        </p:sp>
-        <p:grpSp>
-          <p:nvGrpSpPr>
-            <p:cNvPr id="4" name="Group 3">
-              <a:extLst>
-                <a:ext uri="{FF2B5EF4-FFF2-40B4-BE49-F238E27FC236}">
-                  <a16:creationId xmlns:a16="http://schemas.microsoft.com/office/drawing/2014/main" id="{6A220613-8F41-4788-AA1A-DE4F884AE487}"/>
-                </a:ext>
-              </a:extLst>
-            </p:cNvPr>
-            <p:cNvGrpSpPr/>
-            <p:nvPr/>
-          </p:nvGrpSpPr>
-          <p:grpSpPr>
-            <a:xfrm>
-              <a:off x="1337317" y="2259161"/>
-              <a:ext cx="9109925" cy="2144211"/>
-              <a:chOff x="1337317" y="2259161"/>
-              <a:chExt cx="9109925" cy="2144211"/>
-            </a:xfrm>
-          </p:grpSpPr>
-          <p:grpSp>
-            <p:nvGrpSpPr>
-              <p:cNvPr id="3" name="Group 2">
-                <a:extLst>
-                  <a:ext uri="{FF2B5EF4-FFF2-40B4-BE49-F238E27FC236}">
-                    <a16:creationId xmlns:a16="http://schemas.microsoft.com/office/drawing/2014/main" id="{A9A49D68-6EE0-47FB-88E1-ABAC169ABE96}"/>
-                  </a:ext>
-                </a:extLst>
-              </p:cNvPr>
-              <p:cNvGrpSpPr/>
-              <p:nvPr/>
-            </p:nvGrpSpPr>
-            <p:grpSpPr>
-              <a:xfrm>
-                <a:off x="2002970" y="2676539"/>
-                <a:ext cx="8368937" cy="1726833"/>
-                <a:chOff x="2002970" y="2676539"/>
-                <a:chExt cx="8368937" cy="1726833"/>
-              </a:xfrm>
-            </p:grpSpPr>
-            <p:sp>
-              <p:nvSpPr>
-                <p:cNvPr id="12" name="Rectangle 11">
-                  <a:extLst>
-                    <a:ext uri="{FF2B5EF4-FFF2-40B4-BE49-F238E27FC236}">
-                      <a16:creationId xmlns:a16="http://schemas.microsoft.com/office/drawing/2014/main" id="{2C7811AC-8057-49D8-B182-328AA7A9A057}"/>
-                    </a:ext>
-                  </a:extLst>
-                </p:cNvPr>
-                <p:cNvSpPr/>
-                <p:nvPr/>
-              </p:nvSpPr>
-              <p:spPr>
-                <a:xfrm>
-                  <a:off x="2002970" y="2676539"/>
-                  <a:ext cx="8368937" cy="1077218"/>
-                </a:xfrm>
-                <a:prstGeom prst="rect">
-                  <a:avLst/>
-                </a:prstGeom>
-              </p:spPr>
-              <p:txBody>
-                <a:bodyPr wrap="square">
-                  <a:spAutoFit/>
-                </a:bodyPr>
-                <a:lstStyle/>
-                <a:p>
-                  <a:pPr>
-                    <a:spcBef>
-                      <a:spcPts val="1200"/>
-                    </a:spcBef>
-                    <a:spcAft>
-                      <a:spcPts val="1800"/>
-                    </a:spcAft>
-                  </a:pPr>
-                  <a:r>
-                    <a:rPr lang="en-US" sz="3200" dirty="0">
-                      <a:solidFill>
-                        <a:srgbClr val="584300"/>
-                      </a:solidFill>
-                      <a:effectLst>
-                        <a:outerShdw blurRad="50800" dist="38100" dir="8100000" algn="tr" rotWithShape="0">
-                          <a:prstClr val="black">
-                            <a:alpha val="40000"/>
-                          </a:prstClr>
-                        </a:outerShdw>
-                      </a:effectLst>
-                      <a:latin typeface="Ubuntu Condensed" panose="020B0506030602030204" pitchFamily="34" charset="0"/>
-                      <a:ea typeface="Open Sans Light" panose="020B0306030504020204" pitchFamily="34" charset="0"/>
-                      <a:cs typeface="Open Sans Light" panose="020B0306030504020204" pitchFamily="34" charset="0"/>
-                    </a:rPr>
-                    <a:t>You have to understand Accounting and the nuances of Accounting. It’s the language of business.</a:t>
-                  </a:r>
-                </a:p>
-              </p:txBody>
-            </p:sp>
-            <p:sp>
-              <p:nvSpPr>
-                <p:cNvPr id="2" name="Rectangle 1">
-                  <a:extLst>
-                    <a:ext uri="{FF2B5EF4-FFF2-40B4-BE49-F238E27FC236}">
-                      <a16:creationId xmlns:a16="http://schemas.microsoft.com/office/drawing/2014/main" id="{2E26CEB4-BE26-4066-A343-CDDE110E841B}"/>
-                    </a:ext>
-                  </a:extLst>
-                </p:cNvPr>
-                <p:cNvSpPr/>
-                <p:nvPr/>
-              </p:nvSpPr>
-              <p:spPr>
-                <a:xfrm>
-                  <a:off x="5590900" y="4064818"/>
-                  <a:ext cx="4453463" cy="338554"/>
-                </a:xfrm>
-                <a:prstGeom prst="rect">
-                  <a:avLst/>
-                </a:prstGeom>
-              </p:spPr>
-              <p:txBody>
-                <a:bodyPr wrap="none">
-                  <a:spAutoFit/>
-                </a:bodyPr>
-                <a:lstStyle/>
-                <a:p>
-                  <a:r>
-                    <a:rPr lang="en-US" sz="1600" b="1" dirty="0">
-                      <a:solidFill>
-                        <a:schemeClr val="tx1">
-                          <a:lumMod val="65000"/>
-                          <a:lumOff val="35000"/>
-                        </a:schemeClr>
-                      </a:solidFill>
-                      <a:latin typeface="Ubuntu Condensed" panose="020B0506030602030204" pitchFamily="34" charset="0"/>
-                      <a:ea typeface="Open Sans" panose="020B0606030504020204" pitchFamily="34" charset="0"/>
-                      <a:cs typeface="Open Sans" panose="020B0606030504020204" pitchFamily="34" charset="0"/>
-                    </a:rPr>
-                    <a:t>WARREN BUFFET - </a:t>
-                  </a:r>
-                  <a:r>
-                    <a:rPr lang="en-US" sz="1600" dirty="0">
-                      <a:solidFill>
-                        <a:schemeClr val="tx1">
-                          <a:lumMod val="65000"/>
-                          <a:lumOff val="35000"/>
-                        </a:schemeClr>
-                      </a:solidFill>
-                      <a:latin typeface="Ubuntu Condensed" panose="020B0506030602030204" pitchFamily="34" charset="0"/>
-                      <a:ea typeface="Open Sans" panose="020B0606030504020204" pitchFamily="34" charset="0"/>
-                      <a:cs typeface="Open Sans" panose="020B0606030504020204" pitchFamily="34" charset="0"/>
-                    </a:rPr>
-                    <a:t>Chairman &amp; CEO, Berkshire Hathaway</a:t>
-                  </a:r>
-                </a:p>
-              </p:txBody>
-            </p:sp>
-          </p:grpSp>
-          <p:sp>
-            <p:nvSpPr>
-              <p:cNvPr id="13" name="Rectangle 12">
-                <a:extLst>
-                  <a:ext uri="{FF2B5EF4-FFF2-40B4-BE49-F238E27FC236}">
-                    <a16:creationId xmlns:a16="http://schemas.microsoft.com/office/drawing/2014/main" id="{7685075F-3597-44A7-A8DB-B52BC9A48E4F}"/>
-                  </a:ext>
-                </a:extLst>
-              </p:cNvPr>
-              <p:cNvSpPr/>
-              <p:nvPr/>
-            </p:nvSpPr>
-            <p:spPr>
-              <a:xfrm>
-                <a:off x="1337317" y="2736451"/>
-                <a:ext cx="585649" cy="1200329"/>
-              </a:xfrm>
-              <a:prstGeom prst="rect">
-                <a:avLst/>
-              </a:prstGeom>
-              <a:effectLst/>
-            </p:spPr>
-            <p:txBody>
-              <a:bodyPr wrap="square">
-                <a:spAutoFit/>
-              </a:bodyPr>
-              <a:lstStyle/>
-              <a:p>
-                <a:r>
-                  <a:rPr lang="en-US" sz="5400" b="1" dirty="0">
-                    <a:solidFill>
-                      <a:schemeClr val="accent2">
-                        <a:lumMod val="75000"/>
-                      </a:schemeClr>
-                    </a:solidFill>
-                    <a:effectLst>
-                      <a:glow>
-                        <a:schemeClr val="accent1"/>
-                      </a:glow>
-                      <a:reflection endPos="0" dist="50800" dir="5400000" sy="-100000" algn="bl" rotWithShape="0"/>
-                    </a:effectLst>
-                    <a:latin typeface="Century Schoolbook" panose="02040604050505020304" pitchFamily="18" charset="0"/>
-                  </a:rPr>
-                  <a:t>“</a:t>
-                </a:r>
-                <a:r>
-                  <a:rPr lang="en-US" sz="7200" b="1" dirty="0">
-                    <a:solidFill>
-                      <a:schemeClr val="accent3">
-                        <a:lumMod val="75000"/>
-                      </a:schemeClr>
-                    </a:solidFill>
-                    <a:effectLst>
-                      <a:glow>
-                        <a:schemeClr val="accent1"/>
-                      </a:glow>
-                      <a:reflection endPos="0" dist="50800" dir="5400000" sy="-100000" algn="bl" rotWithShape="0"/>
-                    </a:effectLst>
-                    <a:latin typeface="Century Schoolbook" panose="02040604050505020304" pitchFamily="18" charset="0"/>
-                  </a:rPr>
-                  <a:t> </a:t>
-                </a:r>
-              </a:p>
-            </p:txBody>
-          </p:sp>
-          <p:sp>
-            <p:nvSpPr>
-              <p:cNvPr id="17" name="Rectangle 16">
-                <a:extLst>
-                  <a:ext uri="{FF2B5EF4-FFF2-40B4-BE49-F238E27FC236}">
-                    <a16:creationId xmlns:a16="http://schemas.microsoft.com/office/drawing/2014/main" id="{BD268E05-0300-41FB-A119-81BEADFDBED6}"/>
-                  </a:ext>
-                </a:extLst>
-              </p:cNvPr>
-              <p:cNvSpPr/>
-              <p:nvPr/>
-            </p:nvSpPr>
-            <p:spPr>
-              <a:xfrm flipH="1">
-                <a:off x="10401523" y="2259161"/>
-                <a:ext cx="45719" cy="2103835"/>
-              </a:xfrm>
-              <a:prstGeom prst="rect">
-                <a:avLst/>
-              </a:prstGeom>
-              <a:solidFill>
-                <a:schemeClr val="accent2">
-                  <a:lumMod val="40000"/>
-                  <a:lumOff val="60000"/>
-                </a:schemeClr>
-              </a:solidFill>
-              <a:ln>
-                <a:noFill/>
-              </a:ln>
-            </p:spPr>
-            <p:style>
-              <a:lnRef idx="2">
-                <a:schemeClr val="accent1">
-                  <a:shade val="50000"/>
-                </a:schemeClr>
-              </a:lnRef>
-              <a:fillRef idx="1">
-                <a:schemeClr val="accent1"/>
-              </a:fillRef>
-              <a:effectRef idx="0">
-                <a:schemeClr val="accent1"/>
-              </a:effectRef>
-              <a:fontRef idx="minor">
-                <a:schemeClr val="lt1"/>
-              </a:fontRef>
-            </p:style>
-            <p:txBody>
-              <a:bodyPr rtlCol="0" anchor="ctr"/>
-              <a:lstStyle/>
-              <a:p>
-                <a:pPr algn="ctr"/>
-                <a:endParaRPr lang="en-US"/>
-              </a:p>
-            </p:txBody>
-          </p:sp>
-        </p:grpSp>
-        <p:sp>
-          <p:nvSpPr>
-            <p:cNvPr id="23" name="Oval 22">
-              <a:extLst>
-                <a:ext uri="{FF2B5EF4-FFF2-40B4-BE49-F238E27FC236}">
-                  <a16:creationId xmlns:a16="http://schemas.microsoft.com/office/drawing/2014/main" id="{F6570437-6903-43AF-9ED1-2512215DFD26}"/>
-                </a:ext>
-              </a:extLst>
-            </p:cNvPr>
-            <p:cNvSpPr/>
-            <p:nvPr/>
-          </p:nvSpPr>
-          <p:spPr>
-            <a:xfrm>
-              <a:off x="10135917" y="2994071"/>
-              <a:ext cx="600891" cy="600891"/>
-            </a:xfrm>
-            <a:prstGeom prst="ellipse">
-              <a:avLst/>
-            </a:prstGeom>
-            <a:solidFill>
-              <a:schemeClr val="bg1"/>
-            </a:solidFill>
-            <a:ln>
-              <a:noFill/>
-            </a:ln>
-          </p:spPr>
-          <p:style>
-            <a:lnRef idx="2">
-              <a:schemeClr val="accent1">
-                <a:shade val="50000"/>
-              </a:schemeClr>
-            </a:lnRef>
-            <a:fillRef idx="1">
-              <a:schemeClr val="accent1"/>
-            </a:fillRef>
-            <a:effectRef idx="0">
-              <a:schemeClr val="accent1"/>
-            </a:effectRef>
-            <a:fontRef idx="minor">
-              <a:schemeClr val="lt1"/>
-            </a:fontRef>
-          </p:style>
-          <p:txBody>
-            <a:bodyPr rtlCol="0" anchor="ctr"/>
-            <a:lstStyle/>
-            <a:p>
-              <a:pPr algn="ctr"/>
-              <a:endParaRPr lang="en-US"/>
-            </a:p>
-          </p:txBody>
-        </p:sp>
-        <p:sp>
-          <p:nvSpPr>
-            <p:cNvPr id="24" name="Rectangle 23">
-              <a:extLst>
-                <a:ext uri="{FF2B5EF4-FFF2-40B4-BE49-F238E27FC236}">
-                  <a16:creationId xmlns:a16="http://schemas.microsoft.com/office/drawing/2014/main" id="{2D1081A2-4152-413E-800A-28D2EA0D1924}"/>
-                </a:ext>
-              </a:extLst>
-            </p:cNvPr>
-            <p:cNvSpPr/>
-            <p:nvPr/>
-          </p:nvSpPr>
-          <p:spPr>
-            <a:xfrm flipV="1">
-              <a:off x="10111814" y="2638970"/>
-              <a:ext cx="585649" cy="1200329"/>
-            </a:xfrm>
-            <a:prstGeom prst="rect">
-              <a:avLst/>
-            </a:prstGeom>
-            <a:effectLst/>
-          </p:spPr>
-          <p:txBody>
-            <a:bodyPr wrap="square">
-              <a:spAutoFit/>
-            </a:bodyPr>
-            <a:lstStyle/>
-            <a:p>
-              <a:r>
-                <a:rPr lang="en-US" sz="5400" b="1" dirty="0">
-                  <a:solidFill>
-                    <a:schemeClr val="accent2">
-                      <a:lumMod val="75000"/>
-                    </a:schemeClr>
-                  </a:solidFill>
-                  <a:effectLst>
-                    <a:glow>
-                      <a:schemeClr val="accent1"/>
-                    </a:glow>
-                    <a:reflection endPos="0" dist="50800" dir="5400000" sy="-100000" algn="bl" rotWithShape="0"/>
-                  </a:effectLst>
-                  <a:latin typeface="Century Schoolbook" panose="02040604050505020304" pitchFamily="18" charset="0"/>
-                </a:rPr>
-                <a:t>“</a:t>
-              </a:r>
-              <a:r>
-                <a:rPr lang="en-US" sz="7200" b="1" dirty="0">
-                  <a:solidFill>
-                    <a:schemeClr val="accent2">
-                      <a:lumMod val="75000"/>
-                    </a:schemeClr>
-                  </a:solidFill>
-                  <a:effectLst>
-                    <a:glow>
-                      <a:schemeClr val="accent1"/>
-                    </a:glow>
-                    <a:reflection endPos="0" dist="50800" dir="5400000" sy="-100000" algn="bl" rotWithShape="0"/>
-                  </a:effectLst>
-                  <a:latin typeface="Century Schoolbook" panose="02040604050505020304" pitchFamily="18" charset="0"/>
-                </a:rPr>
-                <a:t> </a:t>
-              </a:r>
-            </a:p>
-          </p:txBody>
-        </p:sp>
-      </p:grpSp>
+        </p:nvPicPr>
+        <p:blipFill>
+          <a:blip r:embed="rId2"/>
+          <a:stretch>
+            <a:fillRect/>
+          </a:stretch>
+        </p:blipFill>
+        <p:spPr>
+          <a:xfrm>
+            <a:off x="2081714" y="2157571"/>
+            <a:ext cx="8028571" cy="2542857"/>
+          </a:xfrm>
+          <a:prstGeom prst="rect">
+            <a:avLst/>
+          </a:prstGeom>
+        </p:spPr>
+      </p:pic>
     </p:spTree>
     <p:extLst>
       <p:ext uri="{BB962C8B-B14F-4D97-AF65-F5344CB8AC3E}">

--- a/assets/public/Chapter_1_Introduction_to_business_and_accounting_concepts/documents/resources/BusinessConcepts.pptx
+++ b/assets/public/Chapter_1_Introduction_to_business_and_accounting_concepts/documents/resources/BusinessConcepts.pptx
@@ -5429,36 +5429,527 @@
           <a:chExt cx="0" cy="0"/>
         </a:xfrm>
       </p:grpSpPr>
-      <p:pic>
-        <p:nvPicPr>
-          <p:cNvPr id="6" name="Picture 5">
+      <p:grpSp>
+        <p:nvGrpSpPr>
+          <p:cNvPr id="5" name="Group 4">
             <a:extLst>
               <a:ext uri="{FF2B5EF4-FFF2-40B4-BE49-F238E27FC236}">
-                <a16:creationId xmlns:a16="http://schemas.microsoft.com/office/drawing/2014/main" id="{247A23A1-535A-44C9-97DE-B279C0D2A7D4}"/>
+                <a16:creationId xmlns:a16="http://schemas.microsoft.com/office/drawing/2014/main" id="{6E318CFD-86AA-4AA3-8BC5-3812E695E3F8}"/>
               </a:ext>
             </a:extLst>
           </p:cNvPr>
-          <p:cNvPicPr>
-            <a:picLocks noChangeAspect="1"/>
-          </p:cNvPicPr>
+          <p:cNvGrpSpPr/>
           <p:nvPr/>
-        </p:nvPicPr>
-        <p:blipFill>
-          <a:blip r:embed="rId2"/>
-          <a:stretch>
-            <a:fillRect/>
-          </a:stretch>
-        </p:blipFill>
-        <p:spPr>
-          <a:xfrm>
-            <a:off x="2081714" y="2157571"/>
-            <a:ext cx="8028571" cy="2542857"/>
-          </a:xfrm>
-          <a:prstGeom prst="rect">
-            <a:avLst/>
-          </a:prstGeom>
-        </p:spPr>
-      </p:pic>
+        </p:nvGrpSpPr>
+        <p:grpSpPr>
+          <a:xfrm>
+            <a:off x="1309169" y="2259161"/>
+            <a:ext cx="9427639" cy="2144211"/>
+            <a:chOff x="1309169" y="2259161"/>
+            <a:chExt cx="9427639" cy="2144211"/>
+          </a:xfrm>
+        </p:grpSpPr>
+        <p:sp>
+          <p:nvSpPr>
+            <p:cNvPr id="14" name="Rectangle 13">
+              <a:extLst>
+                <a:ext uri="{FF2B5EF4-FFF2-40B4-BE49-F238E27FC236}">
+                  <a16:creationId xmlns:a16="http://schemas.microsoft.com/office/drawing/2014/main" id="{323007E2-C37B-4145-8DB2-0D90BCF884E3}"/>
+                </a:ext>
+              </a:extLst>
+            </p:cNvPr>
+            <p:cNvSpPr/>
+            <p:nvPr/>
+          </p:nvSpPr>
+          <p:spPr>
+            <a:xfrm flipH="1">
+              <a:off x="1581156" y="2267870"/>
+              <a:ext cx="45719" cy="2103835"/>
+            </a:xfrm>
+            <a:prstGeom prst="rect">
+              <a:avLst/>
+            </a:prstGeom>
+            <a:solidFill>
+              <a:schemeClr val="accent2">
+                <a:lumMod val="40000"/>
+                <a:lumOff val="60000"/>
+              </a:schemeClr>
+            </a:solidFill>
+            <a:ln>
+              <a:noFill/>
+            </a:ln>
+          </p:spPr>
+          <p:style>
+            <a:lnRef idx="2">
+              <a:schemeClr val="accent1">
+                <a:shade val="50000"/>
+              </a:schemeClr>
+            </a:lnRef>
+            <a:fillRef idx="1">
+              <a:schemeClr val="accent1"/>
+            </a:fillRef>
+            <a:effectRef idx="0">
+              <a:schemeClr val="accent1"/>
+            </a:effectRef>
+            <a:fontRef idx="minor">
+              <a:schemeClr val="lt1"/>
+            </a:fontRef>
+          </p:style>
+          <p:txBody>
+            <a:bodyPr rtlCol="0" anchor="ctr"/>
+            <a:lstStyle/>
+            <a:p>
+              <a:pPr algn="ctr"/>
+              <a:endParaRPr lang="en-US"/>
+            </a:p>
+          </p:txBody>
+        </p:sp>
+        <p:sp>
+          <p:nvSpPr>
+            <p:cNvPr id="9" name="Oval 8">
+              <a:extLst>
+                <a:ext uri="{FF2B5EF4-FFF2-40B4-BE49-F238E27FC236}">
+                  <a16:creationId xmlns:a16="http://schemas.microsoft.com/office/drawing/2014/main" id="{06DB3C9D-84D6-4114-B977-B51F22854B4A}"/>
+                </a:ext>
+              </a:extLst>
+            </p:cNvPr>
+            <p:cNvSpPr/>
+            <p:nvPr/>
+          </p:nvSpPr>
+          <p:spPr>
+            <a:xfrm>
+              <a:off x="1309169" y="3004462"/>
+              <a:ext cx="600891" cy="600891"/>
+            </a:xfrm>
+            <a:prstGeom prst="ellipse">
+              <a:avLst/>
+            </a:prstGeom>
+            <a:solidFill>
+              <a:schemeClr val="bg1"/>
+            </a:solidFill>
+            <a:ln>
+              <a:noFill/>
+            </a:ln>
+          </p:spPr>
+          <p:style>
+            <a:lnRef idx="2">
+              <a:schemeClr val="accent1">
+                <a:shade val="50000"/>
+              </a:schemeClr>
+            </a:lnRef>
+            <a:fillRef idx="1">
+              <a:schemeClr val="accent1"/>
+            </a:fillRef>
+            <a:effectRef idx="0">
+              <a:schemeClr val="accent1"/>
+            </a:effectRef>
+            <a:fontRef idx="minor">
+              <a:schemeClr val="lt1"/>
+            </a:fontRef>
+          </p:style>
+          <p:txBody>
+            <a:bodyPr rtlCol="0" anchor="ctr"/>
+            <a:lstStyle/>
+            <a:p>
+              <a:pPr algn="ctr"/>
+              <a:endParaRPr lang="en-US"/>
+            </a:p>
+          </p:txBody>
+        </p:sp>
+        <p:grpSp>
+          <p:nvGrpSpPr>
+            <p:cNvPr id="4" name="Group 3">
+              <a:extLst>
+                <a:ext uri="{FF2B5EF4-FFF2-40B4-BE49-F238E27FC236}">
+                  <a16:creationId xmlns:a16="http://schemas.microsoft.com/office/drawing/2014/main" id="{6A220613-8F41-4788-AA1A-DE4F884AE487}"/>
+                </a:ext>
+              </a:extLst>
+            </p:cNvPr>
+            <p:cNvGrpSpPr/>
+            <p:nvPr/>
+          </p:nvGrpSpPr>
+          <p:grpSpPr>
+            <a:xfrm>
+              <a:off x="1337317" y="2259161"/>
+              <a:ext cx="9109925" cy="2144211"/>
+              <a:chOff x="1337317" y="2259161"/>
+              <a:chExt cx="9109925" cy="2144211"/>
+            </a:xfrm>
+          </p:grpSpPr>
+          <p:grpSp>
+            <p:nvGrpSpPr>
+              <p:cNvPr id="3" name="Group 2">
+                <a:extLst>
+                  <a:ext uri="{FF2B5EF4-FFF2-40B4-BE49-F238E27FC236}">
+                    <a16:creationId xmlns:a16="http://schemas.microsoft.com/office/drawing/2014/main" id="{A9A49D68-6EE0-47FB-88E1-ABAC169ABE96}"/>
+                  </a:ext>
+                </a:extLst>
+              </p:cNvPr>
+              <p:cNvGrpSpPr/>
+              <p:nvPr/>
+            </p:nvGrpSpPr>
+            <p:grpSpPr>
+              <a:xfrm>
+                <a:off x="2002970" y="2676539"/>
+                <a:ext cx="8368937" cy="1726833"/>
+                <a:chOff x="2002970" y="2676539"/>
+                <a:chExt cx="8368937" cy="1726833"/>
+              </a:xfrm>
+            </p:grpSpPr>
+            <p:sp>
+              <p:nvSpPr>
+                <p:cNvPr id="12" name="Rectangle 11">
+                  <a:extLst>
+                    <a:ext uri="{FF2B5EF4-FFF2-40B4-BE49-F238E27FC236}">
+                      <a16:creationId xmlns:a16="http://schemas.microsoft.com/office/drawing/2014/main" id="{2C7811AC-8057-49D8-B182-328AA7A9A057}"/>
+                    </a:ext>
+                  </a:extLst>
+                </p:cNvPr>
+                <p:cNvSpPr/>
+                <p:nvPr/>
+              </p:nvSpPr>
+              <p:spPr>
+                <a:xfrm>
+                  <a:off x="2002970" y="2676539"/>
+                  <a:ext cx="8368937" cy="1077218"/>
+                </a:xfrm>
+                <a:prstGeom prst="rect">
+                  <a:avLst/>
+                </a:prstGeom>
+              </p:spPr>
+              <p:txBody>
+                <a:bodyPr wrap="square">
+                  <a:spAutoFit/>
+                </a:bodyPr>
+                <a:lstStyle/>
+                <a:p>
+                  <a:pPr>
+                    <a:spcBef>
+                      <a:spcPts val="1200"/>
+                    </a:spcBef>
+                    <a:spcAft>
+                      <a:spcPts val="1800"/>
+                    </a:spcAft>
+                  </a:pPr>
+                  <a:r>
+                    <a:rPr lang="en-US" sz="3200" dirty="0">
+                      <a:solidFill>
+                        <a:srgbClr val="584300"/>
+                      </a:solidFill>
+                      <a:effectLst>
+                        <a:outerShdw blurRad="50800" dist="38100" dir="8100000" algn="tr" rotWithShape="0">
+                          <a:prstClr val="black">
+                            <a:alpha val="40000"/>
+                          </a:prstClr>
+                        </a:outerShdw>
+                      </a:effectLst>
+                      <a:latin typeface="Ubuntu Condensed" panose="020B0506030602030204" pitchFamily="34" charset="0"/>
+                      <a:ea typeface="Open Sans Light" panose="020B0306030504020204" pitchFamily="34" charset="0"/>
+                      <a:cs typeface="Open Sans Light" panose="020B0306030504020204" pitchFamily="34" charset="0"/>
+                    </a:rPr>
+                    <a:t>You have to understand Accounting and the nuances of Accounting. It’s the language of business.</a:t>
+                  </a:r>
+                </a:p>
+              </p:txBody>
+            </p:sp>
+            <p:sp>
+              <p:nvSpPr>
+                <p:cNvPr id="2" name="Rectangle 1">
+                  <a:extLst>
+                    <a:ext uri="{FF2B5EF4-FFF2-40B4-BE49-F238E27FC236}">
+                      <a16:creationId xmlns:a16="http://schemas.microsoft.com/office/drawing/2014/main" id="{2E26CEB4-BE26-4066-A343-CDDE110E841B}"/>
+                    </a:ext>
+                  </a:extLst>
+                </p:cNvPr>
+                <p:cNvSpPr/>
+                <p:nvPr/>
+              </p:nvSpPr>
+              <p:spPr>
+                <a:xfrm>
+                  <a:off x="5590900" y="4064818"/>
+                  <a:ext cx="4453463" cy="338554"/>
+                </a:xfrm>
+                <a:prstGeom prst="rect">
+                  <a:avLst/>
+                </a:prstGeom>
+              </p:spPr>
+              <p:txBody>
+                <a:bodyPr wrap="none">
+                  <a:spAutoFit/>
+                </a:bodyPr>
+                <a:lstStyle/>
+                <a:p>
+                  <a:r>
+                    <a:rPr lang="en-US" sz="1600" b="1" dirty="0">
+                      <a:solidFill>
+                        <a:schemeClr val="tx1">
+                          <a:lumMod val="65000"/>
+                          <a:lumOff val="35000"/>
+                        </a:schemeClr>
+                      </a:solidFill>
+                      <a:latin typeface="Ubuntu Condensed" panose="020B0506030602030204" pitchFamily="34" charset="0"/>
+                      <a:ea typeface="Open Sans" panose="020B0606030504020204" pitchFamily="34" charset="0"/>
+                      <a:cs typeface="Open Sans" panose="020B0606030504020204" pitchFamily="34" charset="0"/>
+                    </a:rPr>
+                    <a:t>WARREN BUFFET - </a:t>
+                  </a:r>
+                  <a:r>
+                    <a:rPr lang="en-US" sz="1600" dirty="0">
+                      <a:solidFill>
+                        <a:schemeClr val="tx1">
+                          <a:lumMod val="65000"/>
+                          <a:lumOff val="35000"/>
+                        </a:schemeClr>
+                      </a:solidFill>
+                      <a:latin typeface="Ubuntu Condensed" panose="020B0506030602030204" pitchFamily="34" charset="0"/>
+                      <a:ea typeface="Open Sans" panose="020B0606030504020204" pitchFamily="34" charset="0"/>
+                      <a:cs typeface="Open Sans" panose="020B0606030504020204" pitchFamily="34" charset="0"/>
+                    </a:rPr>
+                    <a:t>Chairman &amp; CEO, Berkshire Hathaway</a:t>
+                  </a:r>
+                </a:p>
+              </p:txBody>
+            </p:sp>
+          </p:grpSp>
+          <p:sp>
+            <p:nvSpPr>
+              <p:cNvPr id="13" name="Rectangle 12">
+                <a:extLst>
+                  <a:ext uri="{FF2B5EF4-FFF2-40B4-BE49-F238E27FC236}">
+                    <a16:creationId xmlns:a16="http://schemas.microsoft.com/office/drawing/2014/main" id="{7685075F-3597-44A7-A8DB-B52BC9A48E4F}"/>
+                  </a:ext>
+                </a:extLst>
+              </p:cNvPr>
+              <p:cNvSpPr/>
+              <p:nvPr/>
+            </p:nvSpPr>
+            <p:spPr>
+              <a:xfrm>
+                <a:off x="1337317" y="2736451"/>
+                <a:ext cx="585649" cy="1200329"/>
+              </a:xfrm>
+              <a:prstGeom prst="rect">
+                <a:avLst/>
+              </a:prstGeom>
+              <a:effectLst/>
+            </p:spPr>
+            <p:txBody>
+              <a:bodyPr wrap="square">
+                <a:spAutoFit/>
+              </a:bodyPr>
+              <a:lstStyle/>
+              <a:p>
+                <a:r>
+                  <a:rPr lang="en-US" sz="5400" b="1" dirty="0">
+                    <a:solidFill>
+                      <a:schemeClr val="accent2">
+                        <a:lumMod val="75000"/>
+                      </a:schemeClr>
+                    </a:solidFill>
+                    <a:effectLst>
+                      <a:glow>
+                        <a:schemeClr val="accent1"/>
+                      </a:glow>
+                      <a:reflection endPos="0" dist="50800" dir="5400000" sy="-100000" algn="bl" rotWithShape="0"/>
+                    </a:effectLst>
+                    <a:latin typeface="Century Schoolbook" panose="02040604050505020304" pitchFamily="18" charset="0"/>
+                  </a:rPr>
+                  <a:t>“</a:t>
+                </a:r>
+                <a:r>
+                  <a:rPr lang="en-US" sz="7200" b="1" dirty="0">
+                    <a:solidFill>
+                      <a:schemeClr val="accent3">
+                        <a:lumMod val="75000"/>
+                      </a:schemeClr>
+                    </a:solidFill>
+                    <a:effectLst>
+                      <a:glow>
+                        <a:schemeClr val="accent1"/>
+                      </a:glow>
+                      <a:reflection endPos="0" dist="50800" dir="5400000" sy="-100000" algn="bl" rotWithShape="0"/>
+                    </a:effectLst>
+                    <a:latin typeface="Century Schoolbook" panose="02040604050505020304" pitchFamily="18" charset="0"/>
+                  </a:rPr>
+                  <a:t> </a:t>
+                </a:r>
+              </a:p>
+            </p:txBody>
+          </p:sp>
+          <p:sp>
+            <p:nvSpPr>
+              <p:cNvPr id="17" name="Rectangle 16">
+                <a:extLst>
+                  <a:ext uri="{FF2B5EF4-FFF2-40B4-BE49-F238E27FC236}">
+                    <a16:creationId xmlns:a16="http://schemas.microsoft.com/office/drawing/2014/main" id="{BD268E05-0300-41FB-A119-81BEADFDBED6}"/>
+                  </a:ext>
+                </a:extLst>
+              </p:cNvPr>
+              <p:cNvSpPr/>
+              <p:nvPr/>
+            </p:nvSpPr>
+            <p:spPr>
+              <a:xfrm flipH="1">
+                <a:off x="10401523" y="2259161"/>
+                <a:ext cx="45719" cy="2103835"/>
+              </a:xfrm>
+              <a:prstGeom prst="rect">
+                <a:avLst/>
+              </a:prstGeom>
+              <a:solidFill>
+                <a:schemeClr val="accent2">
+                  <a:lumMod val="40000"/>
+                  <a:lumOff val="60000"/>
+                </a:schemeClr>
+              </a:solidFill>
+              <a:ln>
+                <a:noFill/>
+              </a:ln>
+            </p:spPr>
+            <p:style>
+              <a:lnRef idx="2">
+                <a:schemeClr val="accent1">
+                  <a:shade val="50000"/>
+                </a:schemeClr>
+              </a:lnRef>
+              <a:fillRef idx="1">
+                <a:schemeClr val="accent1"/>
+              </a:fillRef>
+              <a:effectRef idx="0">
+                <a:schemeClr val="accent1"/>
+              </a:effectRef>
+              <a:fontRef idx="minor">
+                <a:schemeClr val="lt1"/>
+              </a:fontRef>
+            </p:style>
+            <p:txBody>
+              <a:bodyPr rtlCol="0" anchor="ctr"/>
+              <a:lstStyle/>
+              <a:p>
+                <a:pPr algn="ctr"/>
+                <a:endParaRPr lang="en-US"/>
+              </a:p>
+            </p:txBody>
+          </p:sp>
+        </p:grpSp>
+        <p:sp>
+          <p:nvSpPr>
+            <p:cNvPr id="23" name="Oval 22">
+              <a:extLst>
+                <a:ext uri="{FF2B5EF4-FFF2-40B4-BE49-F238E27FC236}">
+                  <a16:creationId xmlns:a16="http://schemas.microsoft.com/office/drawing/2014/main" id="{F6570437-6903-43AF-9ED1-2512215DFD26}"/>
+                </a:ext>
+              </a:extLst>
+            </p:cNvPr>
+            <p:cNvSpPr/>
+            <p:nvPr/>
+          </p:nvSpPr>
+          <p:spPr>
+            <a:xfrm>
+              <a:off x="10135917" y="2994071"/>
+              <a:ext cx="600891" cy="600891"/>
+            </a:xfrm>
+            <a:prstGeom prst="ellipse">
+              <a:avLst/>
+            </a:prstGeom>
+            <a:solidFill>
+              <a:schemeClr val="bg1"/>
+            </a:solidFill>
+            <a:ln>
+              <a:noFill/>
+            </a:ln>
+          </p:spPr>
+          <p:style>
+            <a:lnRef idx="2">
+              <a:schemeClr val="accent1">
+                <a:shade val="50000"/>
+              </a:schemeClr>
+            </a:lnRef>
+            <a:fillRef idx="1">
+              <a:schemeClr val="accent1"/>
+            </a:fillRef>
+            <a:effectRef idx="0">
+              <a:schemeClr val="accent1"/>
+            </a:effectRef>
+            <a:fontRef idx="minor">
+              <a:schemeClr val="lt1"/>
+            </a:fontRef>
+          </p:style>
+          <p:txBody>
+            <a:bodyPr rtlCol="0" anchor="ctr"/>
+            <a:lstStyle/>
+            <a:p>
+              <a:pPr algn="ctr"/>
+              <a:endParaRPr lang="en-US"/>
+            </a:p>
+          </p:txBody>
+        </p:sp>
+        <p:sp>
+          <p:nvSpPr>
+            <p:cNvPr id="24" name="Rectangle 23">
+              <a:extLst>
+                <a:ext uri="{FF2B5EF4-FFF2-40B4-BE49-F238E27FC236}">
+                  <a16:creationId xmlns:a16="http://schemas.microsoft.com/office/drawing/2014/main" id="{2D1081A2-4152-413E-800A-28D2EA0D1924}"/>
+                </a:ext>
+              </a:extLst>
+            </p:cNvPr>
+            <p:cNvSpPr/>
+            <p:nvPr/>
+          </p:nvSpPr>
+          <p:spPr>
+            <a:xfrm flipV="1">
+              <a:off x="10111814" y="2638970"/>
+              <a:ext cx="585649" cy="1200329"/>
+            </a:xfrm>
+            <a:prstGeom prst="rect">
+              <a:avLst/>
+            </a:prstGeom>
+            <a:effectLst/>
+          </p:spPr>
+          <p:txBody>
+            <a:bodyPr wrap="square">
+              <a:spAutoFit/>
+            </a:bodyPr>
+            <a:lstStyle/>
+            <a:p>
+              <a:r>
+                <a:rPr lang="en-US" sz="5400" b="1" dirty="0">
+                  <a:solidFill>
+                    <a:schemeClr val="accent2">
+                      <a:lumMod val="75000"/>
+                    </a:schemeClr>
+                  </a:solidFill>
+                  <a:effectLst>
+                    <a:glow>
+                      <a:schemeClr val="accent1"/>
+                    </a:glow>
+                    <a:reflection endPos="0" dist="50800" dir="5400000" sy="-100000" algn="bl" rotWithShape="0"/>
+                  </a:effectLst>
+                  <a:latin typeface="Century Schoolbook" panose="02040604050505020304" pitchFamily="18" charset="0"/>
+                </a:rPr>
+                <a:t>“</a:t>
+              </a:r>
+              <a:r>
+                <a:rPr lang="en-US" sz="7200" b="1" dirty="0">
+                  <a:solidFill>
+                    <a:schemeClr val="accent2">
+                      <a:lumMod val="75000"/>
+                    </a:schemeClr>
+                  </a:solidFill>
+                  <a:effectLst>
+                    <a:glow>
+                      <a:schemeClr val="accent1"/>
+                    </a:glow>
+                    <a:reflection endPos="0" dist="50800" dir="5400000" sy="-100000" algn="bl" rotWithShape="0"/>
+                  </a:effectLst>
+                  <a:latin typeface="Century Schoolbook" panose="02040604050505020304" pitchFamily="18" charset="0"/>
+                </a:rPr>
+                <a:t> </a:t>
+              </a:r>
+            </a:p>
+          </p:txBody>
+        </p:sp>
+      </p:grpSp>
     </p:spTree>
     <p:extLst>
       <p:ext uri="{BB962C8B-B14F-4D97-AF65-F5344CB8AC3E}">

--- a/assets/public/Chapter_1_Introduction_to_business_and_accounting_concepts/documents/resources/BusinessConcepts.pptx
+++ b/assets/public/Chapter_1_Introduction_to_business_and_accounting_concepts/documents/resources/BusinessConcepts.pptx
@@ -5443,10 +5443,10 @@
         </p:nvGrpSpPr>
         <p:grpSpPr>
           <a:xfrm>
-            <a:off x="1309169" y="2259161"/>
-            <a:ext cx="9427639" cy="2144211"/>
-            <a:chOff x="1309169" y="2259161"/>
-            <a:chExt cx="9427639" cy="2144211"/>
+            <a:off x="1260089" y="2270819"/>
+            <a:ext cx="10002644" cy="2858741"/>
+            <a:chOff x="1309169" y="2267870"/>
+            <a:chExt cx="9427639" cy="2135502"/>
           </a:xfrm>
         </p:grpSpPr>
         <p:sp>
@@ -5570,10 +5570,10 @@
           </p:nvGrpSpPr>
           <p:grpSpPr>
             <a:xfrm>
-              <a:off x="1337317" y="2259161"/>
-              <a:ext cx="9109925" cy="2144211"/>
-              <a:chOff x="1337317" y="2259161"/>
-              <a:chExt cx="9109925" cy="2144211"/>
+              <a:off x="1337317" y="2284461"/>
+              <a:ext cx="9313085" cy="2118911"/>
+              <a:chOff x="1337317" y="2284461"/>
+              <a:chExt cx="9313085" cy="2118911"/>
             </a:xfrm>
           </p:grpSpPr>
           <p:grpSp>
@@ -5611,7 +5611,7 @@
               <p:spPr>
                 <a:xfrm>
                   <a:off x="2002970" y="2676539"/>
-                  <a:ext cx="8368937" cy="1077218"/>
+                  <a:ext cx="8368937" cy="1172549"/>
                 </a:xfrm>
                 <a:prstGeom prst="rect">
                   <a:avLst/>
@@ -5790,7 +5790,7 @@
             </p:nvSpPr>
             <p:spPr>
               <a:xfrm flipH="1">
-                <a:off x="10401523" y="2259161"/>
+                <a:off x="10604683" y="2284461"/>
                 <a:ext cx="45719" cy="2103835"/>
               </a:xfrm>
               <a:prstGeom prst="rect">

--- a/assets/public/Chapter_1_Introduction_to_business_and_accounting_concepts/documents/resources/BusinessConcepts.pptx
+++ b/assets/public/Chapter_1_Introduction_to_business_and_accounting_concepts/documents/resources/BusinessConcepts.pptx
@@ -5576,141 +5576,64 @@
               <a:chExt cx="9313085" cy="2118911"/>
             </a:xfrm>
           </p:grpSpPr>
-          <p:grpSp>
-            <p:nvGrpSpPr>
-              <p:cNvPr id="3" name="Group 2">
+          <p:sp>
+            <p:nvSpPr>
+              <p:cNvPr id="2" name="Rectangle 1">
                 <a:extLst>
                   <a:ext uri="{FF2B5EF4-FFF2-40B4-BE49-F238E27FC236}">
-                    <a16:creationId xmlns:a16="http://schemas.microsoft.com/office/drawing/2014/main" id="{A9A49D68-6EE0-47FB-88E1-ABAC169ABE96}"/>
+                    <a16:creationId xmlns:a16="http://schemas.microsoft.com/office/drawing/2014/main" id="{2E26CEB4-BE26-4066-A343-CDDE110E841B}"/>
                   </a:ext>
                 </a:extLst>
               </p:cNvPr>
-              <p:cNvGrpSpPr/>
+              <p:cNvSpPr/>
               <p:nvPr/>
-            </p:nvGrpSpPr>
-            <p:grpSpPr>
+            </p:nvSpPr>
+            <p:spPr>
               <a:xfrm>
-                <a:off x="2002970" y="2676539"/>
-                <a:ext cx="8368937" cy="1726833"/>
-                <a:chOff x="2002970" y="2676539"/>
-                <a:chExt cx="8368937" cy="1726833"/>
+                <a:off x="5590900" y="4064818"/>
+                <a:ext cx="4453463" cy="338554"/>
               </a:xfrm>
-            </p:grpSpPr>
-            <p:sp>
-              <p:nvSpPr>
-                <p:cNvPr id="12" name="Rectangle 11">
-                  <a:extLst>
-                    <a:ext uri="{FF2B5EF4-FFF2-40B4-BE49-F238E27FC236}">
-                      <a16:creationId xmlns:a16="http://schemas.microsoft.com/office/drawing/2014/main" id="{2C7811AC-8057-49D8-B182-328AA7A9A057}"/>
-                    </a:ext>
-                  </a:extLst>
-                </p:cNvPr>
-                <p:cNvSpPr/>
-                <p:nvPr/>
-              </p:nvSpPr>
-              <p:spPr>
-                <a:xfrm>
-                  <a:off x="2002970" y="2676539"/>
-                  <a:ext cx="8368937" cy="1172549"/>
-                </a:xfrm>
-                <a:prstGeom prst="rect">
-                  <a:avLst/>
-                </a:prstGeom>
-              </p:spPr>
-              <p:txBody>
-                <a:bodyPr wrap="square">
-                  <a:spAutoFit/>
-                </a:bodyPr>
-                <a:lstStyle/>
-                <a:p>
-                  <a:pPr>
-                    <a:spcBef>
-                      <a:spcPts val="1200"/>
-                    </a:spcBef>
-                    <a:spcAft>
-                      <a:spcPts val="1800"/>
-                    </a:spcAft>
-                  </a:pPr>
-                  <a:r>
-                    <a:rPr lang="en-US" sz="3200" dirty="0">
-                      <a:solidFill>
-                        <a:srgbClr val="584300"/>
-                      </a:solidFill>
-                      <a:effectLst>
-                        <a:outerShdw blurRad="50800" dist="38100" dir="8100000" algn="tr" rotWithShape="0">
-                          <a:prstClr val="black">
-                            <a:alpha val="40000"/>
-                          </a:prstClr>
-                        </a:outerShdw>
-                      </a:effectLst>
-                      <a:latin typeface="Ubuntu Condensed" panose="020B0506030602030204" pitchFamily="34" charset="0"/>
-                      <a:ea typeface="Open Sans Light" panose="020B0306030504020204" pitchFamily="34" charset="0"/>
-                      <a:cs typeface="Open Sans Light" panose="020B0306030504020204" pitchFamily="34" charset="0"/>
-                    </a:rPr>
-                    <a:t>You have to understand Accounting and the nuances of Accounting. It’s the language of business.</a:t>
-                  </a:r>
-                </a:p>
-              </p:txBody>
-            </p:sp>
-            <p:sp>
-              <p:nvSpPr>
-                <p:cNvPr id="2" name="Rectangle 1">
-                  <a:extLst>
-                    <a:ext uri="{FF2B5EF4-FFF2-40B4-BE49-F238E27FC236}">
-                      <a16:creationId xmlns:a16="http://schemas.microsoft.com/office/drawing/2014/main" id="{2E26CEB4-BE26-4066-A343-CDDE110E841B}"/>
-                    </a:ext>
-                  </a:extLst>
-                </p:cNvPr>
-                <p:cNvSpPr/>
-                <p:nvPr/>
-              </p:nvSpPr>
-              <p:spPr>
-                <a:xfrm>
-                  <a:off x="5590900" y="4064818"/>
-                  <a:ext cx="4453463" cy="338554"/>
-                </a:xfrm>
-                <a:prstGeom prst="rect">
-                  <a:avLst/>
-                </a:prstGeom>
-              </p:spPr>
-              <p:txBody>
-                <a:bodyPr wrap="none">
-                  <a:spAutoFit/>
-                </a:bodyPr>
-                <a:lstStyle/>
-                <a:p>
-                  <a:r>
-                    <a:rPr lang="en-US" sz="1600" b="1" dirty="0">
-                      <a:solidFill>
-                        <a:schemeClr val="tx1">
-                          <a:lumMod val="65000"/>
-                          <a:lumOff val="35000"/>
-                        </a:schemeClr>
-                      </a:solidFill>
-                      <a:latin typeface="Ubuntu Condensed" panose="020B0506030602030204" pitchFamily="34" charset="0"/>
-                      <a:ea typeface="Open Sans" panose="020B0606030504020204" pitchFamily="34" charset="0"/>
-                      <a:cs typeface="Open Sans" panose="020B0606030504020204" pitchFamily="34" charset="0"/>
-                    </a:rPr>
-                    <a:t>WARREN BUFFET - </a:t>
-                  </a:r>
-                  <a:r>
-                    <a:rPr lang="en-US" sz="1600" dirty="0">
-                      <a:solidFill>
-                        <a:schemeClr val="tx1">
-                          <a:lumMod val="65000"/>
-                          <a:lumOff val="35000"/>
-                        </a:schemeClr>
-                      </a:solidFill>
-                      <a:latin typeface="Ubuntu Condensed" panose="020B0506030602030204" pitchFamily="34" charset="0"/>
-                      <a:ea typeface="Open Sans" panose="020B0606030504020204" pitchFamily="34" charset="0"/>
-                      <a:cs typeface="Open Sans" panose="020B0606030504020204" pitchFamily="34" charset="0"/>
-                    </a:rPr>
-                    <a:t>Chairman &amp; CEO, Berkshire Hathaway</a:t>
-                  </a:r>
-                </a:p>
-              </p:txBody>
-            </p:sp>
-          </p:grpSp>
+              <a:prstGeom prst="rect">
+                <a:avLst/>
+              </a:prstGeom>
+            </p:spPr>
+            <p:txBody>
+              <a:bodyPr wrap="none">
+                <a:spAutoFit/>
+              </a:bodyPr>
+              <a:lstStyle/>
+              <a:p>
+                <a:r>
+                  <a:rPr lang="en-US" sz="1600" b="1" dirty="0">
+                    <a:solidFill>
+                      <a:schemeClr val="tx1">
+                        <a:lumMod val="65000"/>
+                        <a:lumOff val="35000"/>
+                      </a:schemeClr>
+                    </a:solidFill>
+                    <a:latin typeface="Ubuntu Condensed" panose="020B0506030602030204" pitchFamily="34" charset="0"/>
+                    <a:ea typeface="Open Sans" panose="020B0606030504020204" pitchFamily="34" charset="0"/>
+                    <a:cs typeface="Open Sans" panose="020B0606030504020204" pitchFamily="34" charset="0"/>
+                  </a:rPr>
+                  <a:t>WARREN BUFFET - </a:t>
+                </a:r>
+                <a:r>
+                  <a:rPr lang="en-US" sz="1600" dirty="0">
+                    <a:solidFill>
+                      <a:schemeClr val="tx1">
+                        <a:lumMod val="65000"/>
+                        <a:lumOff val="35000"/>
+                      </a:schemeClr>
+                    </a:solidFill>
+                    <a:latin typeface="Ubuntu Condensed" panose="020B0506030602030204" pitchFamily="34" charset="0"/>
+                    <a:ea typeface="Open Sans" panose="020B0606030504020204" pitchFamily="34" charset="0"/>
+                    <a:cs typeface="Open Sans" panose="020B0606030504020204" pitchFamily="34" charset="0"/>
+                  </a:rPr>
+                  <a:t>Chairman &amp; CEO, Berkshire Hathaway</a:t>
+                </a:r>
+              </a:p>
+            </p:txBody>
+          </p:sp>
           <p:sp>
             <p:nvSpPr>
               <p:cNvPr id="13" name="Rectangle 12">
@@ -5950,6 +5873,62 @@
           </p:txBody>
         </p:sp>
       </p:grpSp>
+      <p:sp>
+        <p:nvSpPr>
+          <p:cNvPr id="15" name="Rectangle 14">
+            <a:extLst>
+              <a:ext uri="{FF2B5EF4-FFF2-40B4-BE49-F238E27FC236}">
+                <a16:creationId xmlns:a16="http://schemas.microsoft.com/office/drawing/2014/main" id="{E2CED73B-D820-4B72-BB45-5D0BAF4AAC7F}"/>
+              </a:ext>
+            </a:extLst>
+          </p:cNvPr>
+          <p:cNvSpPr/>
+          <p:nvPr/>
+        </p:nvSpPr>
+        <p:spPr>
+          <a:xfrm>
+            <a:off x="1996206" y="2817894"/>
+            <a:ext cx="8879370" cy="1077217"/>
+          </a:xfrm>
+          <a:prstGeom prst="rect">
+            <a:avLst/>
+          </a:prstGeom>
+        </p:spPr>
+        <p:txBody>
+          <a:bodyPr wrap="square">
+            <a:spAutoFit/>
+          </a:bodyPr>
+          <a:lstStyle/>
+          <a:p>
+            <a:pPr>
+              <a:spcBef>
+                <a:spcPts val="1200"/>
+              </a:spcBef>
+              <a:spcAft>
+                <a:spcPts val="1800"/>
+              </a:spcAft>
+            </a:pPr>
+            <a:r>
+              <a:rPr lang="en-US" sz="3200" dirty="0">
+                <a:solidFill>
+                  <a:srgbClr val="584300"/>
+                </a:solidFill>
+                <a:effectLst>
+                  <a:outerShdw blurRad="50800" dist="38100" dir="8100000" algn="tr" rotWithShape="0">
+                    <a:prstClr val="black">
+                      <a:alpha val="40000"/>
+                    </a:prstClr>
+                  </a:outerShdw>
+                </a:effectLst>
+                <a:latin typeface="Ubuntu Condensed" panose="020B0506030602030204" pitchFamily="34" charset="0"/>
+                <a:ea typeface="Open Sans Light" panose="020B0306030504020204" pitchFamily="34" charset="0"/>
+                <a:cs typeface="Open Sans Light" panose="020B0306030504020204" pitchFamily="34" charset="0"/>
+              </a:rPr>
+              <a:t>You have to understand Accounting and the nuances of Accounting. It’s the language of business.</a:t>
+            </a:r>
+          </a:p>
+        </p:txBody>
+      </p:sp>
     </p:spTree>
     <p:extLst>
       <p:ext uri="{BB962C8B-B14F-4D97-AF65-F5344CB8AC3E}">

--- a/assets/public/Chapter_1_Introduction_to_business_and_accounting_concepts/documents/resources/BusinessConcepts.pptx
+++ b/assets/public/Chapter_1_Introduction_to_business_and_accounting_concepts/documents/resources/BusinessConcepts.pptx
@@ -5576,64 +5576,141 @@
               <a:chExt cx="9313085" cy="2118911"/>
             </a:xfrm>
           </p:grpSpPr>
-          <p:sp>
-            <p:nvSpPr>
-              <p:cNvPr id="2" name="Rectangle 1">
+          <p:grpSp>
+            <p:nvGrpSpPr>
+              <p:cNvPr id="3" name="Group 2">
                 <a:extLst>
                   <a:ext uri="{FF2B5EF4-FFF2-40B4-BE49-F238E27FC236}">
-                    <a16:creationId xmlns:a16="http://schemas.microsoft.com/office/drawing/2014/main" id="{2E26CEB4-BE26-4066-A343-CDDE110E841B}"/>
+                    <a16:creationId xmlns:a16="http://schemas.microsoft.com/office/drawing/2014/main" id="{A9A49D68-6EE0-47FB-88E1-ABAC169ABE96}"/>
                   </a:ext>
                 </a:extLst>
               </p:cNvPr>
-              <p:cNvSpPr/>
+              <p:cNvGrpSpPr/>
               <p:nvPr/>
-            </p:nvSpPr>
-            <p:spPr>
+            </p:nvGrpSpPr>
+            <p:grpSpPr>
               <a:xfrm>
-                <a:off x="5590900" y="4064818"/>
-                <a:ext cx="4453463" cy="338554"/>
+                <a:off x="2002970" y="2676539"/>
+                <a:ext cx="8368937" cy="1726833"/>
+                <a:chOff x="2002970" y="2676539"/>
+                <a:chExt cx="8368937" cy="1726833"/>
               </a:xfrm>
-              <a:prstGeom prst="rect">
-                <a:avLst/>
-              </a:prstGeom>
-            </p:spPr>
-            <p:txBody>
-              <a:bodyPr wrap="none">
-                <a:spAutoFit/>
-              </a:bodyPr>
-              <a:lstStyle/>
-              <a:p>
-                <a:r>
-                  <a:rPr lang="en-US" sz="1600" b="1" dirty="0">
-                    <a:solidFill>
-                      <a:schemeClr val="tx1">
-                        <a:lumMod val="65000"/>
-                        <a:lumOff val="35000"/>
-                      </a:schemeClr>
-                    </a:solidFill>
-                    <a:latin typeface="Ubuntu Condensed" panose="020B0506030602030204" pitchFamily="34" charset="0"/>
-                    <a:ea typeface="Open Sans" panose="020B0606030504020204" pitchFamily="34" charset="0"/>
-                    <a:cs typeface="Open Sans" panose="020B0606030504020204" pitchFamily="34" charset="0"/>
-                  </a:rPr>
-                  <a:t>WARREN BUFFET - </a:t>
-                </a:r>
-                <a:r>
-                  <a:rPr lang="en-US" sz="1600" dirty="0">
-                    <a:solidFill>
-                      <a:schemeClr val="tx1">
-                        <a:lumMod val="65000"/>
-                        <a:lumOff val="35000"/>
-                      </a:schemeClr>
-                    </a:solidFill>
-                    <a:latin typeface="Ubuntu Condensed" panose="020B0506030602030204" pitchFamily="34" charset="0"/>
-                    <a:ea typeface="Open Sans" panose="020B0606030504020204" pitchFamily="34" charset="0"/>
-                    <a:cs typeface="Open Sans" panose="020B0606030504020204" pitchFamily="34" charset="0"/>
-                  </a:rPr>
-                  <a:t>Chairman &amp; CEO, Berkshire Hathaway</a:t>
-                </a:r>
-              </a:p>
-            </p:txBody>
-          </p:sp>
+            </p:grpSpPr>
+            <p:sp>
+              <p:nvSpPr>
+                <p:cNvPr id="12" name="Rectangle 11">
+                  <a:extLst>
+                    <a:ext uri="{FF2B5EF4-FFF2-40B4-BE49-F238E27FC236}">
+                      <a16:creationId xmlns:a16="http://schemas.microsoft.com/office/drawing/2014/main" id="{2C7811AC-8057-49D8-B182-328AA7A9A057}"/>
+                    </a:ext>
+                  </a:extLst>
+                </p:cNvPr>
+                <p:cNvSpPr/>
+                <p:nvPr/>
+              </p:nvSpPr>
+              <p:spPr>
+                <a:xfrm>
+                  <a:off x="2002970" y="2676539"/>
+                  <a:ext cx="8368937" cy="804690"/>
+                </a:xfrm>
+                <a:prstGeom prst="rect">
+                  <a:avLst/>
+                </a:prstGeom>
+              </p:spPr>
+              <p:txBody>
+                <a:bodyPr wrap="square">
+                  <a:spAutoFit/>
+                </a:bodyPr>
+                <a:lstStyle/>
+                <a:p>
+                  <a:pPr>
+                    <a:spcBef>
+                      <a:spcPts val="1200"/>
+                    </a:spcBef>
+                    <a:spcAft>
+                      <a:spcPts val="1800"/>
+                    </a:spcAft>
+                  </a:pPr>
+                  <a:r>
+                    <a:rPr lang="en-US" sz="3200" dirty="0">
+                      <a:solidFill>
+                        <a:srgbClr val="584300"/>
+                      </a:solidFill>
+                      <a:effectLst>
+                        <a:outerShdw blurRad="50800" dist="38100" dir="8100000" algn="tr" rotWithShape="0">
+                          <a:prstClr val="black">
+                            <a:alpha val="40000"/>
+                          </a:prstClr>
+                        </a:outerShdw>
+                      </a:effectLst>
+                      <a:latin typeface="Ubuntu Condensed" panose="020B0506030602030204" pitchFamily="34" charset="0"/>
+                      <a:ea typeface="Open Sans Light" panose="020B0306030504020204" pitchFamily="34" charset="0"/>
+                      <a:cs typeface="Open Sans Light" panose="020B0306030504020204" pitchFamily="34" charset="0"/>
+                    </a:rPr>
+                    <a:t>You have to understand Accounting and the nuances of Accounting. It’s the language of business.</a:t>
+                  </a:r>
+                </a:p>
+              </p:txBody>
+            </p:sp>
+            <p:sp>
+              <p:nvSpPr>
+                <p:cNvPr id="2" name="Rectangle 1">
+                  <a:extLst>
+                    <a:ext uri="{FF2B5EF4-FFF2-40B4-BE49-F238E27FC236}">
+                      <a16:creationId xmlns:a16="http://schemas.microsoft.com/office/drawing/2014/main" id="{2E26CEB4-BE26-4066-A343-CDDE110E841B}"/>
+                    </a:ext>
+                  </a:extLst>
+                </p:cNvPr>
+                <p:cNvSpPr/>
+                <p:nvPr/>
+              </p:nvSpPr>
+              <p:spPr>
+                <a:xfrm>
+                  <a:off x="5590900" y="4064818"/>
+                  <a:ext cx="4453463" cy="338554"/>
+                </a:xfrm>
+                <a:prstGeom prst="rect">
+                  <a:avLst/>
+                </a:prstGeom>
+              </p:spPr>
+              <p:txBody>
+                <a:bodyPr wrap="none">
+                  <a:spAutoFit/>
+                </a:bodyPr>
+                <a:lstStyle/>
+                <a:p>
+                  <a:r>
+                    <a:rPr lang="en-US" sz="1600" b="1" dirty="0">
+                      <a:solidFill>
+                        <a:schemeClr val="tx1">
+                          <a:lumMod val="65000"/>
+                          <a:lumOff val="35000"/>
+                        </a:schemeClr>
+                      </a:solidFill>
+                      <a:latin typeface="Ubuntu Condensed" panose="020B0506030602030204" pitchFamily="34" charset="0"/>
+                      <a:ea typeface="Open Sans" panose="020B0606030504020204" pitchFamily="34" charset="0"/>
+                      <a:cs typeface="Open Sans" panose="020B0606030504020204" pitchFamily="34" charset="0"/>
+                    </a:rPr>
+                    <a:t>WARREN BUFFET - </a:t>
+                  </a:r>
+                  <a:r>
+                    <a:rPr lang="en-US" sz="1600" dirty="0">
+                      <a:solidFill>
+                        <a:schemeClr val="tx1">
+                          <a:lumMod val="65000"/>
+                          <a:lumOff val="35000"/>
+                        </a:schemeClr>
+                      </a:solidFill>
+                      <a:latin typeface="Ubuntu Condensed" panose="020B0506030602030204" pitchFamily="34" charset="0"/>
+                      <a:ea typeface="Open Sans" panose="020B0606030504020204" pitchFamily="34" charset="0"/>
+                      <a:cs typeface="Open Sans" panose="020B0606030504020204" pitchFamily="34" charset="0"/>
+                    </a:rPr>
+                    <a:t>Chairman &amp; CEO, Berkshire Hathaway</a:t>
+                  </a:r>
+                </a:p>
+              </p:txBody>
+            </p:sp>
+          </p:grpSp>
           <p:sp>
             <p:nvSpPr>
               <p:cNvPr id="13" name="Rectangle 12">
@@ -5873,62 +5950,6 @@
           </p:txBody>
         </p:sp>
       </p:grpSp>
-      <p:sp>
-        <p:nvSpPr>
-          <p:cNvPr id="15" name="Rectangle 14">
-            <a:extLst>
-              <a:ext uri="{FF2B5EF4-FFF2-40B4-BE49-F238E27FC236}">
-                <a16:creationId xmlns:a16="http://schemas.microsoft.com/office/drawing/2014/main" id="{E2CED73B-D820-4B72-BB45-5D0BAF4AAC7F}"/>
-              </a:ext>
-            </a:extLst>
-          </p:cNvPr>
-          <p:cNvSpPr/>
-          <p:nvPr/>
-        </p:nvSpPr>
-        <p:spPr>
-          <a:xfrm>
-            <a:off x="1996206" y="2817894"/>
-            <a:ext cx="8879370" cy="1077217"/>
-          </a:xfrm>
-          <a:prstGeom prst="rect">
-            <a:avLst/>
-          </a:prstGeom>
-        </p:spPr>
-        <p:txBody>
-          <a:bodyPr wrap="square">
-            <a:spAutoFit/>
-          </a:bodyPr>
-          <a:lstStyle/>
-          <a:p>
-            <a:pPr>
-              <a:spcBef>
-                <a:spcPts val="1200"/>
-              </a:spcBef>
-              <a:spcAft>
-                <a:spcPts val="1800"/>
-              </a:spcAft>
-            </a:pPr>
-            <a:r>
-              <a:rPr lang="en-US" sz="3200" dirty="0">
-                <a:solidFill>
-                  <a:srgbClr val="584300"/>
-                </a:solidFill>
-                <a:effectLst>
-                  <a:outerShdw blurRad="50800" dist="38100" dir="8100000" algn="tr" rotWithShape="0">
-                    <a:prstClr val="black">
-                      <a:alpha val="40000"/>
-                    </a:prstClr>
-                  </a:outerShdw>
-                </a:effectLst>
-                <a:latin typeface="Ubuntu Condensed" panose="020B0506030602030204" pitchFamily="34" charset="0"/>
-                <a:ea typeface="Open Sans Light" panose="020B0306030504020204" pitchFamily="34" charset="0"/>
-                <a:cs typeface="Open Sans Light" panose="020B0306030504020204" pitchFamily="34" charset="0"/>
-              </a:rPr>
-              <a:t>You have to understand Accounting and the nuances of Accounting. It’s the language of business.</a:t>
-            </a:r>
-          </a:p>
-        </p:txBody>
-      </p:sp>
     </p:spTree>
     <p:extLst>
       <p:ext uri="{BB962C8B-B14F-4D97-AF65-F5344CB8AC3E}">

--- a/assets/public/Chapter_1_Introduction_to_business_and_accounting_concepts/documents/resources/BusinessConcepts.pptx
+++ b/assets/public/Chapter_1_Introduction_to_business_and_accounting_concepts/documents/resources/BusinessConcepts.pptx
@@ -5444,9 +5444,9 @@
         <p:grpSpPr>
           <a:xfrm>
             <a:off x="1260089" y="2270819"/>
-            <a:ext cx="10002644" cy="2858741"/>
-            <a:chOff x="1309169" y="2267870"/>
-            <a:chExt cx="9427639" cy="2135502"/>
+            <a:ext cx="9726269" cy="2479602"/>
+            <a:chOff x="1309169" y="2267869"/>
+            <a:chExt cx="9167152" cy="1852282"/>
           </a:xfrm>
         </p:grpSpPr>
         <p:sp>
@@ -5463,8 +5463,8 @@
           </p:nvSpPr>
           <p:spPr>
             <a:xfrm flipH="1">
-              <a:off x="1581156" y="2267870"/>
-              <a:ext cx="45719" cy="2103835"/>
+              <a:off x="1581155" y="2267869"/>
+              <a:ext cx="45720" cy="1852282"/>
             </a:xfrm>
             <a:prstGeom prst="rect">
               <a:avLst/>
@@ -5500,7 +5500,7 @@
             <a:lstStyle/>
             <a:p>
               <a:pPr algn="ctr"/>
-              <a:endParaRPr lang="en-US"/>
+              <a:endParaRPr lang="en-US" dirty="0"/>
             </a:p>
           </p:txBody>
         </p:sp>
@@ -5570,10 +5570,10 @@
           </p:nvGrpSpPr>
           <p:grpSpPr>
             <a:xfrm>
-              <a:off x="1337317" y="2284461"/>
-              <a:ext cx="9313085" cy="2118911"/>
-              <a:chOff x="1337317" y="2284461"/>
-              <a:chExt cx="9313085" cy="2118911"/>
+              <a:off x="1337317" y="2370839"/>
+              <a:ext cx="9034590" cy="1623536"/>
+              <a:chOff x="1337317" y="2370839"/>
+              <a:chExt cx="9034590" cy="1623536"/>
             </a:xfrm>
           </p:grpSpPr>
           <p:grpSp>
@@ -5591,9 +5591,9 @@
             <p:grpSpPr>
               <a:xfrm>
                 <a:off x="2002970" y="2676539"/>
-                <a:ext cx="8368937" cy="1726833"/>
+                <a:ext cx="8368937" cy="758203"/>
                 <a:chOff x="2002970" y="2676539"/>
-                <a:chExt cx="8368937" cy="1726833"/>
+                <a:chExt cx="8368937" cy="758203"/>
               </a:xfrm>
             </p:grpSpPr>
             <p:sp>
@@ -5611,7 +5611,7 @@
               <p:spPr>
                 <a:xfrm>
                   <a:off x="2002970" y="2676539"/>
-                  <a:ext cx="8368937" cy="804690"/>
+                  <a:ext cx="8368937" cy="482814"/>
                 </a:xfrm>
                 <a:prstGeom prst="rect">
                   <a:avLst/>
@@ -5632,7 +5632,7 @@
                     </a:spcAft>
                   </a:pPr>
                   <a:r>
-                    <a:rPr lang="en-US" sz="3200" dirty="0">
+                    <a:rPr lang="en-US" dirty="0">
                       <a:solidFill>
                         <a:srgbClr val="584300"/>
                       </a:solidFill>
@@ -5666,8 +5666,8 @@
               </p:nvSpPr>
               <p:spPr>
                 <a:xfrm>
-                  <a:off x="5590900" y="4064818"/>
-                  <a:ext cx="4453463" cy="338554"/>
+                  <a:off x="5548859" y="3204830"/>
+                  <a:ext cx="4085228" cy="229912"/>
                 </a:xfrm>
                 <a:prstGeom prst="rect">
                   <a:avLst/>
@@ -5680,7 +5680,7 @@
                 <a:lstStyle/>
                 <a:p>
                   <a:r>
-                    <a:rPr lang="en-US" sz="1600" b="1" dirty="0">
+                    <a:rPr lang="en-US" sz="1400" b="1" dirty="0">
                       <a:solidFill>
                         <a:schemeClr val="tx1">
                           <a:lumMod val="65000"/>
@@ -5694,7 +5694,7 @@
                     <a:t>WARREN BUFFET - </a:t>
                   </a:r>
                   <a:r>
-                    <a:rPr lang="en-US" sz="1600" dirty="0">
+                    <a:rPr lang="en-US" sz="1400" dirty="0">
                       <a:solidFill>
                         <a:schemeClr val="tx1">
                           <a:lumMod val="65000"/>
@@ -5726,7 +5726,7 @@
             <p:spPr>
               <a:xfrm>
                 <a:off x="1337317" y="2736451"/>
-                <a:ext cx="585649" cy="1200329"/>
+                <a:ext cx="585649" cy="896655"/>
               </a:xfrm>
               <a:prstGeom prst="rect">
                 <a:avLst/>
@@ -5740,7 +5740,7 @@
               <a:lstStyle/>
               <a:p>
                 <a:r>
-                  <a:rPr lang="en-US" sz="5400" b="1" dirty="0">
+                  <a:rPr lang="en-US" sz="2800" b="1" dirty="0">
                     <a:solidFill>
                       <a:schemeClr val="accent2">
                         <a:lumMod val="75000"/>
@@ -5789,9 +5789,9 @@
               <p:nvPr/>
             </p:nvSpPr>
             <p:spPr>
-              <a:xfrm flipH="1">
-                <a:off x="10604683" y="2284461"/>
-                <a:ext cx="45719" cy="2103835"/>
+              <a:xfrm>
+                <a:off x="10132782" y="2370839"/>
+                <a:ext cx="43091" cy="1623536"/>
               </a:xfrm>
               <a:prstGeom prst="rect">
                 <a:avLst/>
@@ -5846,7 +5846,7 @@
           </p:nvSpPr>
           <p:spPr>
             <a:xfrm>
-              <a:off x="10135917" y="2994071"/>
+              <a:off x="9875430" y="3004461"/>
               <a:ext cx="600891" cy="600891"/>
             </a:xfrm>
             <a:prstGeom prst="ellipse">
@@ -5898,8 +5898,8 @@
           </p:nvSpPr>
           <p:spPr>
             <a:xfrm flipV="1">
-              <a:off x="10111814" y="2638970"/>
-              <a:ext cx="585649" cy="1200329"/>
+              <a:off x="9733471" y="2871458"/>
+              <a:ext cx="585649" cy="896655"/>
             </a:xfrm>
             <a:prstGeom prst="rect">
               <a:avLst/>
@@ -5913,7 +5913,7 @@
             <a:lstStyle/>
             <a:p>
               <a:r>
-                <a:rPr lang="en-US" sz="5400" b="1" dirty="0">
+                <a:rPr lang="en-US" sz="2800" b="1" dirty="0">
                   <a:solidFill>
                     <a:schemeClr val="accent2">
                       <a:lumMod val="75000"/>

--- a/assets/public/Chapter_1_Introduction_to_business_and_accounting_concepts/documents/resources/BusinessConcepts.pptx
+++ b/assets/public/Chapter_1_Introduction_to_business_and_accounting_concepts/documents/resources/BusinessConcepts.pptx
@@ -222,7 +222,7 @@
           <a:p>
             <a:fld id="{4EEE8A09-C53B-4E87-91E3-CECCC1E52B7D}" type="datetimeFigureOut">
               <a:rPr lang="en-US" smtClean="0"/>
-              <a:t>6/7/2019</a:t>
+              <a:t>6/10/2019</a:t>
             </a:fld>
             <a:endParaRPr lang="en-US"/>
           </a:p>
@@ -708,7 +708,7 @@
           <a:p>
             <a:fld id="{6B2382DC-9449-49D5-81A0-E07153406E49}" type="datetimeFigureOut">
               <a:rPr lang="en-US" smtClean="0"/>
-              <a:t>6/7/2019</a:t>
+              <a:t>6/10/2019</a:t>
             </a:fld>
             <a:endParaRPr lang="en-US"/>
           </a:p>
@@ -876,7 +876,7 @@
           <a:p>
             <a:fld id="{6B2382DC-9449-49D5-81A0-E07153406E49}" type="datetimeFigureOut">
               <a:rPr lang="en-US" smtClean="0"/>
-              <a:t>6/7/2019</a:t>
+              <a:t>6/10/2019</a:t>
             </a:fld>
             <a:endParaRPr lang="en-US"/>
           </a:p>
@@ -1054,7 +1054,7 @@
           <a:p>
             <a:fld id="{6B2382DC-9449-49D5-81A0-E07153406E49}" type="datetimeFigureOut">
               <a:rPr lang="en-US" smtClean="0"/>
-              <a:t>6/7/2019</a:t>
+              <a:t>6/10/2019</a:t>
             </a:fld>
             <a:endParaRPr lang="en-US"/>
           </a:p>
@@ -1510,7 +1510,7 @@
           <a:p>
             <a:fld id="{6B2382DC-9449-49D5-81A0-E07153406E49}" type="datetimeFigureOut">
               <a:rPr lang="en-US" smtClean="0"/>
-              <a:t>6/7/2019</a:t>
+              <a:t>6/10/2019</a:t>
             </a:fld>
             <a:endParaRPr lang="en-US"/>
           </a:p>
@@ -1755,7 +1755,7 @@
           <a:p>
             <a:fld id="{6B2382DC-9449-49D5-81A0-E07153406E49}" type="datetimeFigureOut">
               <a:rPr lang="en-US" smtClean="0"/>
-              <a:t>6/7/2019</a:t>
+              <a:t>6/10/2019</a:t>
             </a:fld>
             <a:endParaRPr lang="en-US"/>
           </a:p>
@@ -1984,7 +1984,7 @@
           <a:p>
             <a:fld id="{6B2382DC-9449-49D5-81A0-E07153406E49}" type="datetimeFigureOut">
               <a:rPr lang="en-US" smtClean="0"/>
-              <a:t>6/7/2019</a:t>
+              <a:t>6/10/2019</a:t>
             </a:fld>
             <a:endParaRPr lang="en-US"/>
           </a:p>
@@ -2348,7 +2348,7 @@
           <a:p>
             <a:fld id="{6B2382DC-9449-49D5-81A0-E07153406E49}" type="datetimeFigureOut">
               <a:rPr lang="en-US" smtClean="0"/>
-              <a:t>6/7/2019</a:t>
+              <a:t>6/10/2019</a:t>
             </a:fld>
             <a:endParaRPr lang="en-US"/>
           </a:p>
@@ -2465,7 +2465,7 @@
           <a:p>
             <a:fld id="{6B2382DC-9449-49D5-81A0-E07153406E49}" type="datetimeFigureOut">
               <a:rPr lang="en-US" smtClean="0"/>
-              <a:t>6/7/2019</a:t>
+              <a:t>6/10/2019</a:t>
             </a:fld>
             <a:endParaRPr lang="en-US"/>
           </a:p>
@@ -2560,7 +2560,7 @@
           <a:p>
             <a:fld id="{6B2382DC-9449-49D5-81A0-E07153406E49}" type="datetimeFigureOut">
               <a:rPr lang="en-US" smtClean="0"/>
-              <a:t>6/7/2019</a:t>
+              <a:t>6/10/2019</a:t>
             </a:fld>
             <a:endParaRPr lang="en-US"/>
           </a:p>
@@ -2835,7 +2835,7 @@
           <a:p>
             <a:fld id="{6B2382DC-9449-49D5-81A0-E07153406E49}" type="datetimeFigureOut">
               <a:rPr lang="en-US" smtClean="0"/>
-              <a:t>6/7/2019</a:t>
+              <a:t>6/10/2019</a:t>
             </a:fld>
             <a:endParaRPr lang="en-US"/>
           </a:p>
@@ -3087,7 +3087,7 @@
           <a:p>
             <a:fld id="{6B2382DC-9449-49D5-81A0-E07153406E49}" type="datetimeFigureOut">
               <a:rPr lang="en-US" smtClean="0"/>
-              <a:t>6/7/2019</a:t>
+              <a:t>6/10/2019</a:t>
             </a:fld>
             <a:endParaRPr lang="en-US"/>
           </a:p>
@@ -3298,7 +3298,7 @@
           <a:p>
             <a:fld id="{6B2382DC-9449-49D5-81A0-E07153406E49}" type="datetimeFigureOut">
               <a:rPr lang="en-US" smtClean="0"/>
-              <a:t>6/7/2019</a:t>
+              <a:t>6/10/2019</a:t>
             </a:fld>
             <a:endParaRPr lang="en-US"/>
           </a:p>
@@ -5443,10 +5443,10 @@
         </p:nvGrpSpPr>
         <p:grpSpPr>
           <a:xfrm>
-            <a:off x="1260089" y="2270819"/>
-            <a:ext cx="9726269" cy="2479602"/>
-            <a:chOff x="1309169" y="2267869"/>
-            <a:chExt cx="9167152" cy="1852282"/>
+            <a:off x="688157" y="2873652"/>
+            <a:ext cx="10351477" cy="1626309"/>
+            <a:chOff x="1309169" y="2676538"/>
+            <a:chExt cx="9265344" cy="1214865"/>
           </a:xfrm>
         </p:grpSpPr>
         <p:sp>
@@ -5462,9 +5462,9 @@
             <p:nvPr/>
           </p:nvSpPr>
           <p:spPr>
-            <a:xfrm flipH="1">
-              <a:off x="1581155" y="2267869"/>
-              <a:ext cx="45720" cy="1852282"/>
+            <a:xfrm>
+              <a:off x="1545030" y="2676538"/>
+              <a:ext cx="40922" cy="1214865"/>
             </a:xfrm>
             <a:prstGeom prst="rect">
               <a:avLst/>
@@ -5552,7 +5552,7 @@
             <a:lstStyle/>
             <a:p>
               <a:pPr algn="ctr"/>
-              <a:endParaRPr lang="en-US"/>
+              <a:endParaRPr lang="en-US" dirty="0"/>
             </a:p>
           </p:txBody>
         </p:sp>
@@ -5570,10 +5570,10 @@
           </p:nvGrpSpPr>
           <p:grpSpPr>
             <a:xfrm>
-              <a:off x="1337317" y="2370839"/>
-              <a:ext cx="9034590" cy="1623536"/>
-              <a:chOff x="1337317" y="2370839"/>
-              <a:chExt cx="9034590" cy="1623536"/>
+              <a:off x="1337317" y="2736451"/>
+              <a:ext cx="9054108" cy="1154951"/>
+              <a:chOff x="1337317" y="2736451"/>
+              <a:chExt cx="9054108" cy="1154951"/>
             </a:xfrm>
           </p:grpSpPr>
           <p:grpSp>
@@ -5590,10 +5590,10 @@
             </p:nvGrpSpPr>
             <p:grpSpPr>
               <a:xfrm>
-                <a:off x="2002970" y="2676539"/>
-                <a:ext cx="8368937" cy="758203"/>
-                <a:chOff x="2002970" y="2676539"/>
-                <a:chExt cx="8368937" cy="758203"/>
+                <a:off x="1724670" y="2987590"/>
+                <a:ext cx="8522424" cy="827010"/>
+                <a:chOff x="1724670" y="2987590"/>
+                <a:chExt cx="8522424" cy="827010"/>
               </a:xfrm>
             </p:grpSpPr>
             <p:sp>
@@ -5610,8 +5610,8 @@
               </p:nvSpPr>
               <p:spPr>
                 <a:xfrm>
-                  <a:off x="2002970" y="2676539"/>
-                  <a:ext cx="8368937" cy="482814"/>
+                  <a:off x="1724670" y="2987590"/>
+                  <a:ext cx="8522424" cy="275894"/>
                 </a:xfrm>
                 <a:prstGeom prst="rect">
                   <a:avLst/>
@@ -5666,7 +5666,7 @@
               </p:nvSpPr>
               <p:spPr>
                 <a:xfrm>
-                  <a:off x="5548859" y="3204830"/>
+                  <a:off x="5648038" y="3584688"/>
                   <a:ext cx="4085228" cy="229912"/>
                 </a:xfrm>
                 <a:prstGeom prst="rect">
@@ -5789,9 +5789,9 @@
               <p:nvPr/>
             </p:nvSpPr>
             <p:spPr>
-              <a:xfrm>
-                <a:off x="10132782" y="2370839"/>
-                <a:ext cx="43091" cy="1623536"/>
+              <a:xfrm flipH="1">
+                <a:off x="10350503" y="2837320"/>
+                <a:ext cx="40922" cy="1054082"/>
               </a:xfrm>
               <a:prstGeom prst="rect">
                 <a:avLst/>
@@ -5827,7 +5827,7 @@
               <a:lstStyle/>
               <a:p>
                 <a:pPr algn="ctr"/>
-                <a:endParaRPr lang="en-US"/>
+                <a:endParaRPr lang="en-US" dirty="0"/>
               </a:p>
             </p:txBody>
           </p:sp>
@@ -5846,7 +5846,7 @@
           </p:nvSpPr>
           <p:spPr>
             <a:xfrm>
-              <a:off x="9875430" y="3004461"/>
+              <a:off x="9946649" y="3073866"/>
               <a:ext cx="600891" cy="600891"/>
             </a:xfrm>
             <a:prstGeom prst="ellipse">
@@ -5898,7 +5898,7 @@
           </p:nvSpPr>
           <p:spPr>
             <a:xfrm flipV="1">
-              <a:off x="9733471" y="2871458"/>
+              <a:off x="9988864" y="2925983"/>
               <a:ext cx="585649" cy="896655"/>
             </a:xfrm>
             <a:prstGeom prst="rect">

--- a/assets/public/Chapter_1_Introduction_to_business_and_accounting_concepts/documents/resources/BusinessConcepts.pptx
+++ b/assets/public/Chapter_1_Introduction_to_business_and_accounting_concepts/documents/resources/BusinessConcepts.pptx
@@ -5443,10 +5443,10 @@
         </p:nvGrpSpPr>
         <p:grpSpPr>
           <a:xfrm>
-            <a:off x="688157" y="2873652"/>
-            <a:ext cx="10351477" cy="1626309"/>
-            <a:chOff x="1309169" y="2676538"/>
-            <a:chExt cx="9265344" cy="1214865"/>
+            <a:off x="935329" y="2329389"/>
+            <a:ext cx="10321342" cy="1597743"/>
+            <a:chOff x="1309169" y="2736451"/>
+            <a:chExt cx="9238371" cy="1193526"/>
           </a:xfrm>
         </p:grpSpPr>
         <p:sp>
@@ -5462,9 +5462,9 @@
             <p:nvPr/>
           </p:nvSpPr>
           <p:spPr>
-            <a:xfrm>
-              <a:off x="1545030" y="2676538"/>
-              <a:ext cx="40922" cy="1214865"/>
+            <a:xfrm flipH="1">
+              <a:off x="1500660" y="2837320"/>
+              <a:ext cx="40922" cy="977280"/>
             </a:xfrm>
             <a:prstGeom prst="rect">
               <a:avLst/>
@@ -5571,9 +5571,9 @@
           <p:grpSpPr>
             <a:xfrm>
               <a:off x="1337317" y="2736451"/>
-              <a:ext cx="9054108" cy="1154951"/>
+              <a:ext cx="8903394" cy="1152724"/>
               <a:chOff x="1337317" y="2736451"/>
-              <a:chExt cx="9054108" cy="1154951"/>
+              <a:chExt cx="8903394" cy="1152724"/>
             </a:xfrm>
           </p:grpSpPr>
           <p:grpSp>
@@ -5590,10 +5590,10 @@
             </p:nvGrpSpPr>
             <p:grpSpPr>
               <a:xfrm>
-                <a:off x="1724670" y="2987590"/>
-                <a:ext cx="8522424" cy="827010"/>
-                <a:chOff x="1724670" y="2987590"/>
-                <a:chExt cx="8522424" cy="827010"/>
+                <a:off x="2152188" y="3004463"/>
+                <a:ext cx="7446574" cy="810137"/>
+                <a:chOff x="2152188" y="3004463"/>
+                <a:chExt cx="7446574" cy="810137"/>
               </a:xfrm>
             </p:grpSpPr>
             <p:sp>
@@ -5610,8 +5610,8 @@
               </p:nvSpPr>
               <p:spPr>
                 <a:xfrm>
-                  <a:off x="1724670" y="2987590"/>
-                  <a:ext cx="8522424" cy="275894"/>
+                  <a:off x="2152188" y="3004463"/>
+                  <a:ext cx="7446574" cy="252902"/>
                 </a:xfrm>
                 <a:prstGeom prst="rect">
                   <a:avLst/>
@@ -5632,7 +5632,7 @@
                     </a:spcAft>
                   </a:pPr>
                   <a:r>
-                    <a:rPr lang="en-US" dirty="0">
+                    <a:rPr lang="en-US" sz="1600" dirty="0">
                       <a:solidFill>
                         <a:srgbClr val="584300"/>
                       </a:solidFill>
@@ -5667,7 +5667,7 @@
               <p:spPr>
                 <a:xfrm>
                   <a:off x="5648038" y="3584688"/>
-                  <a:ext cx="4085228" cy="229912"/>
+                  <a:ext cx="3791679" cy="229912"/>
                 </a:xfrm>
                 <a:prstGeom prst="rect">
                   <a:avLst/>
@@ -5680,6 +5680,20 @@
                 <a:lstStyle/>
                 <a:p>
                   <a:r>
+                    <a:rPr lang="en-US" sz="1200" b="1" dirty="0">
+                      <a:solidFill>
+                        <a:schemeClr val="tx1">
+                          <a:lumMod val="65000"/>
+                          <a:lumOff val="35000"/>
+                        </a:schemeClr>
+                      </a:solidFill>
+                      <a:latin typeface="Ubuntu Condensed" panose="020B0506030602030204" pitchFamily="34" charset="0"/>
+                      <a:ea typeface="Open Sans" panose="020B0606030504020204" pitchFamily="34" charset="0"/>
+                      <a:cs typeface="Open Sans" panose="020B0606030504020204" pitchFamily="34" charset="0"/>
+                    </a:rPr>
+                    <a:t>WARREN</a:t>
+                  </a:r>
+                  <a:r>
                     <a:rPr lang="en-US" sz="1400" b="1" dirty="0">
                       <a:solidFill>
                         <a:schemeClr val="tx1">
@@ -5691,7 +5705,7 @@
                       <a:ea typeface="Open Sans" panose="020B0606030504020204" pitchFamily="34" charset="0"/>
                       <a:cs typeface="Open Sans" panose="020B0606030504020204" pitchFamily="34" charset="0"/>
                     </a:rPr>
-                    <a:t>WARREN BUFFET - </a:t>
+                    <a:t> BUFFET - </a:t>
                   </a:r>
                   <a:r>
                     <a:rPr lang="en-US" sz="1400" dirty="0">
@@ -5790,8 +5804,8 @@
             </p:nvSpPr>
             <p:spPr>
               <a:xfrm flipH="1">
-                <a:off x="10350503" y="2837320"/>
-                <a:ext cx="40922" cy="1054082"/>
+                <a:off x="10199789" y="2837319"/>
+                <a:ext cx="40922" cy="1051856"/>
               </a:xfrm>
               <a:prstGeom prst="rect">
                 <a:avLst/>
@@ -5898,8 +5912,8 @@
           </p:nvSpPr>
           <p:spPr>
             <a:xfrm flipV="1">
-              <a:off x="9988864" y="2925983"/>
-              <a:ext cx="585649" cy="896655"/>
+              <a:off x="10254369" y="3040840"/>
+              <a:ext cx="40922" cy="889137"/>
             </a:xfrm>
             <a:prstGeom prst="rect">
               <a:avLst/>

--- a/assets/public/Chapter_1_Introduction_to_business_and_accounting_concepts/documents/resources/BusinessConcepts.pptx
+++ b/assets/public/Chapter_1_Introduction_to_business_and_accounting_concepts/documents/resources/BusinessConcepts.pptx
@@ -222,7 +222,7 @@
           <a:p>
             <a:fld id="{4EEE8A09-C53B-4E87-91E3-CECCC1E52B7D}" type="datetimeFigureOut">
               <a:rPr lang="en-US" smtClean="0"/>
-              <a:t>6/10/2019</a:t>
+              <a:t>6/13/2019</a:t>
             </a:fld>
             <a:endParaRPr lang="en-US"/>
           </a:p>
@@ -708,7 +708,7 @@
           <a:p>
             <a:fld id="{6B2382DC-9449-49D5-81A0-E07153406E49}" type="datetimeFigureOut">
               <a:rPr lang="en-US" smtClean="0"/>
-              <a:t>6/10/2019</a:t>
+              <a:t>6/13/2019</a:t>
             </a:fld>
             <a:endParaRPr lang="en-US"/>
           </a:p>
@@ -876,7 +876,7 @@
           <a:p>
             <a:fld id="{6B2382DC-9449-49D5-81A0-E07153406E49}" type="datetimeFigureOut">
               <a:rPr lang="en-US" smtClean="0"/>
-              <a:t>6/10/2019</a:t>
+              <a:t>6/13/2019</a:t>
             </a:fld>
             <a:endParaRPr lang="en-US"/>
           </a:p>
@@ -1054,7 +1054,7 @@
           <a:p>
             <a:fld id="{6B2382DC-9449-49D5-81A0-E07153406E49}" type="datetimeFigureOut">
               <a:rPr lang="en-US" smtClean="0"/>
-              <a:t>6/10/2019</a:t>
+              <a:t>6/13/2019</a:t>
             </a:fld>
             <a:endParaRPr lang="en-US"/>
           </a:p>
@@ -1510,7 +1510,7 @@
           <a:p>
             <a:fld id="{6B2382DC-9449-49D5-81A0-E07153406E49}" type="datetimeFigureOut">
               <a:rPr lang="en-US" smtClean="0"/>
-              <a:t>6/10/2019</a:t>
+              <a:t>6/13/2019</a:t>
             </a:fld>
             <a:endParaRPr lang="en-US"/>
           </a:p>
@@ -1755,7 +1755,7 @@
           <a:p>
             <a:fld id="{6B2382DC-9449-49D5-81A0-E07153406E49}" type="datetimeFigureOut">
               <a:rPr lang="en-US" smtClean="0"/>
-              <a:t>6/10/2019</a:t>
+              <a:t>6/13/2019</a:t>
             </a:fld>
             <a:endParaRPr lang="en-US"/>
           </a:p>
@@ -1984,7 +1984,7 @@
           <a:p>
             <a:fld id="{6B2382DC-9449-49D5-81A0-E07153406E49}" type="datetimeFigureOut">
               <a:rPr lang="en-US" smtClean="0"/>
-              <a:t>6/10/2019</a:t>
+              <a:t>6/13/2019</a:t>
             </a:fld>
             <a:endParaRPr lang="en-US"/>
           </a:p>
@@ -2348,7 +2348,7 @@
           <a:p>
             <a:fld id="{6B2382DC-9449-49D5-81A0-E07153406E49}" type="datetimeFigureOut">
               <a:rPr lang="en-US" smtClean="0"/>
-              <a:t>6/10/2019</a:t>
+              <a:t>6/13/2019</a:t>
             </a:fld>
             <a:endParaRPr lang="en-US"/>
           </a:p>
@@ -2465,7 +2465,7 @@
           <a:p>
             <a:fld id="{6B2382DC-9449-49D5-81A0-E07153406E49}" type="datetimeFigureOut">
               <a:rPr lang="en-US" smtClean="0"/>
-              <a:t>6/10/2019</a:t>
+              <a:t>6/13/2019</a:t>
             </a:fld>
             <a:endParaRPr lang="en-US"/>
           </a:p>
@@ -2560,7 +2560,7 @@
           <a:p>
             <a:fld id="{6B2382DC-9449-49D5-81A0-E07153406E49}" type="datetimeFigureOut">
               <a:rPr lang="en-US" smtClean="0"/>
-              <a:t>6/10/2019</a:t>
+              <a:t>6/13/2019</a:t>
             </a:fld>
             <a:endParaRPr lang="en-US"/>
           </a:p>
@@ -2835,7 +2835,7 @@
           <a:p>
             <a:fld id="{6B2382DC-9449-49D5-81A0-E07153406E49}" type="datetimeFigureOut">
               <a:rPr lang="en-US" smtClean="0"/>
-              <a:t>6/10/2019</a:t>
+              <a:t>6/13/2019</a:t>
             </a:fld>
             <a:endParaRPr lang="en-US"/>
           </a:p>
@@ -3087,7 +3087,7 @@
           <a:p>
             <a:fld id="{6B2382DC-9449-49D5-81A0-E07153406E49}" type="datetimeFigureOut">
               <a:rPr lang="en-US" smtClean="0"/>
-              <a:t>6/10/2019</a:t>
+              <a:t>6/13/2019</a:t>
             </a:fld>
             <a:endParaRPr lang="en-US"/>
           </a:p>
@@ -3298,7 +3298,7 @@
           <a:p>
             <a:fld id="{6B2382DC-9449-49D5-81A0-E07153406E49}" type="datetimeFigureOut">
               <a:rPr lang="en-US" smtClean="0"/>
-              <a:t>6/10/2019</a:t>
+              <a:t>6/13/2019</a:t>
             </a:fld>
             <a:endParaRPr lang="en-US"/>
           </a:p>
@@ -5591,9 +5591,9 @@
             <p:grpSpPr>
               <a:xfrm>
                 <a:off x="2152188" y="3004463"/>
-                <a:ext cx="7446574" cy="810137"/>
+                <a:ext cx="7446574" cy="868691"/>
                 <a:chOff x="2152188" y="3004463"/>
-                <a:chExt cx="7446574" cy="810137"/>
+                <a:chExt cx="7446574" cy="868691"/>
               </a:xfrm>
             </p:grpSpPr>
             <p:sp>
@@ -5611,7 +5611,7 @@
               <p:spPr>
                 <a:xfrm>
                   <a:off x="2152188" y="3004463"/>
-                  <a:ext cx="7446574" cy="252902"/>
+                  <a:ext cx="7446574" cy="712725"/>
                 </a:xfrm>
                 <a:prstGeom prst="rect">
                   <a:avLst/>
@@ -5632,7 +5632,7 @@
                     </a:spcAft>
                   </a:pPr>
                   <a:r>
-                    <a:rPr lang="en-US" sz="1600" dirty="0">
+                    <a:rPr lang="en-US" sz="2800" dirty="0">
                       <a:solidFill>
                         <a:srgbClr val="584300"/>
                       </a:solidFill>
@@ -5666,8 +5666,8 @@
               </p:nvSpPr>
               <p:spPr>
                 <a:xfrm>
-                  <a:off x="5648038" y="3584688"/>
-                  <a:ext cx="3791679" cy="229912"/>
+                  <a:off x="5648038" y="3643242"/>
+                  <a:ext cx="165348" cy="229912"/>
                 </a:xfrm>
                 <a:prstGeom prst="rect">
                   <a:avLst/>
@@ -5679,48 +5679,17 @@
                 </a:bodyPr>
                 <a:lstStyle/>
                 <a:p>
-                  <a:r>
-                    <a:rPr lang="en-US" sz="1200" b="1" dirty="0">
-                      <a:solidFill>
-                        <a:schemeClr val="tx1">
-                          <a:lumMod val="65000"/>
-                          <a:lumOff val="35000"/>
-                        </a:schemeClr>
-                      </a:solidFill>
-                      <a:latin typeface="Ubuntu Condensed" panose="020B0506030602030204" pitchFamily="34" charset="0"/>
-                      <a:ea typeface="Open Sans" panose="020B0606030504020204" pitchFamily="34" charset="0"/>
-                      <a:cs typeface="Open Sans" panose="020B0606030504020204" pitchFamily="34" charset="0"/>
-                    </a:rPr>
-                    <a:t>WARREN</a:t>
-                  </a:r>
-                  <a:r>
-                    <a:rPr lang="en-US" sz="1400" b="1" dirty="0">
-                      <a:solidFill>
-                        <a:schemeClr val="tx1">
-                          <a:lumMod val="65000"/>
-                          <a:lumOff val="35000"/>
-                        </a:schemeClr>
-                      </a:solidFill>
-                      <a:latin typeface="Ubuntu Condensed" panose="020B0506030602030204" pitchFamily="34" charset="0"/>
-                      <a:ea typeface="Open Sans" panose="020B0606030504020204" pitchFamily="34" charset="0"/>
-                      <a:cs typeface="Open Sans" panose="020B0606030504020204" pitchFamily="34" charset="0"/>
-                    </a:rPr>
-                    <a:t> BUFFET - </a:t>
-                  </a:r>
-                  <a:r>
-                    <a:rPr lang="en-US" sz="1400" dirty="0">
-                      <a:solidFill>
-                        <a:schemeClr val="tx1">
-                          <a:lumMod val="65000"/>
-                          <a:lumOff val="35000"/>
-                        </a:schemeClr>
-                      </a:solidFill>
-                      <a:latin typeface="Ubuntu Condensed" panose="020B0506030602030204" pitchFamily="34" charset="0"/>
-                      <a:ea typeface="Open Sans" panose="020B0606030504020204" pitchFamily="34" charset="0"/>
-                      <a:cs typeface="Open Sans" panose="020B0606030504020204" pitchFamily="34" charset="0"/>
-                    </a:rPr>
-                    <a:t>Chairman &amp; CEO, Berkshire Hathaway</a:t>
-                  </a:r>
+                  <a:endParaRPr lang="en-US" sz="1400" dirty="0">
+                    <a:solidFill>
+                      <a:schemeClr val="tx1">
+                        <a:lumMod val="65000"/>
+                        <a:lumOff val="35000"/>
+                      </a:schemeClr>
+                    </a:solidFill>
+                    <a:latin typeface="Ubuntu Condensed" panose="020B0506030602030204" pitchFamily="34" charset="0"/>
+                    <a:ea typeface="Open Sans" panose="020B0606030504020204" pitchFamily="34" charset="0"/>
+                    <a:cs typeface="Open Sans" panose="020B0606030504020204" pitchFamily="34" charset="0"/>
+                  </a:endParaRPr>
                 </a:p>
               </p:txBody>
             </p:sp>
@@ -5964,6 +5933,78 @@
           </p:txBody>
         </p:sp>
       </p:grpSp>
+      <p:sp>
+        <p:nvSpPr>
+          <p:cNvPr id="6" name="Rectangle 5">
+            <a:extLst>
+              <a:ext uri="{FF2B5EF4-FFF2-40B4-BE49-F238E27FC236}">
+                <a16:creationId xmlns:a16="http://schemas.microsoft.com/office/drawing/2014/main" id="{EBB7C36A-35AE-4C53-B14F-D1A890BBC779}"/>
+              </a:ext>
+            </a:extLst>
+          </p:cNvPr>
+          <p:cNvSpPr/>
+          <p:nvPr/>
+        </p:nvSpPr>
+        <p:spPr>
+          <a:xfrm>
+            <a:off x="5061081" y="3941247"/>
+            <a:ext cx="5422638" cy="369332"/>
+          </a:xfrm>
+          <a:prstGeom prst="rect">
+            <a:avLst/>
+          </a:prstGeom>
+        </p:spPr>
+        <p:txBody>
+          <a:bodyPr wrap="none">
+            <a:spAutoFit/>
+          </a:bodyPr>
+          <a:lstStyle/>
+          <a:p>
+            <a:r>
+              <a:rPr lang="en-US" sz="1600" b="1" dirty="0">
+                <a:solidFill>
+                  <a:schemeClr val="tx1">
+                    <a:lumMod val="65000"/>
+                    <a:lumOff val="35000"/>
+                  </a:schemeClr>
+                </a:solidFill>
+                <a:latin typeface="Ubuntu Condensed" panose="020B0506030602030204" pitchFamily="34" charset="0"/>
+                <a:ea typeface="Open Sans" panose="020B0606030504020204" pitchFamily="34" charset="0"/>
+                <a:cs typeface="Open Sans" panose="020B0606030504020204" pitchFamily="34" charset="0"/>
+              </a:rPr>
+              <a:t>WARREN</a:t>
+            </a:r>
+            <a:r>
+              <a:rPr lang="en-US" b="1" dirty="0">
+                <a:solidFill>
+                  <a:schemeClr val="tx1">
+                    <a:lumMod val="65000"/>
+                    <a:lumOff val="35000"/>
+                  </a:schemeClr>
+                </a:solidFill>
+                <a:latin typeface="Ubuntu Condensed" panose="020B0506030602030204" pitchFamily="34" charset="0"/>
+                <a:ea typeface="Open Sans" panose="020B0606030504020204" pitchFamily="34" charset="0"/>
+                <a:cs typeface="Open Sans" panose="020B0606030504020204" pitchFamily="34" charset="0"/>
+              </a:rPr>
+              <a:t> BUFFET - </a:t>
+            </a:r>
+            <a:r>
+              <a:rPr lang="en-US" dirty="0">
+                <a:solidFill>
+                  <a:schemeClr val="tx1">
+                    <a:lumMod val="65000"/>
+                    <a:lumOff val="35000"/>
+                  </a:schemeClr>
+                </a:solidFill>
+                <a:latin typeface="Ubuntu Condensed" panose="020B0506030602030204" pitchFamily="34" charset="0"/>
+                <a:ea typeface="Open Sans" panose="020B0606030504020204" pitchFamily="34" charset="0"/>
+                <a:cs typeface="Open Sans" panose="020B0606030504020204" pitchFamily="34" charset="0"/>
+              </a:rPr>
+              <a:t>Chairman &amp; CEO, Berkshire Hathaway</a:t>
+            </a:r>
+          </a:p>
+        </p:txBody>
+      </p:sp>
     </p:spTree>
     <p:extLst>
       <p:ext uri="{BB962C8B-B14F-4D97-AF65-F5344CB8AC3E}">
